--- a/AWSECS.pptx
+++ b/AWSECS.pptx
@@ -5,7 +5,7 @@
     <p:sldMasterId id="2147483648" r:id="rId4"/>
   </p:sldMasterIdLst>
   <p:notesMasterIdLst>
-    <p:notesMasterId r:id="rId32"/>
+    <p:notesMasterId r:id="rId35"/>
   </p:notesMasterIdLst>
   <p:sldIdLst>
     <p:sldId id="280" r:id="rId5"/>
@@ -20,21 +20,24 @@
     <p:sldId id="360" r:id="rId14"/>
     <p:sldId id="363" r:id="rId15"/>
     <p:sldId id="361" r:id="rId16"/>
-    <p:sldId id="347" r:id="rId17"/>
-    <p:sldId id="346" r:id="rId18"/>
-    <p:sldId id="350" r:id="rId19"/>
-    <p:sldId id="355" r:id="rId20"/>
-    <p:sldId id="351" r:id="rId21"/>
-    <p:sldId id="354" r:id="rId22"/>
-    <p:sldId id="337" r:id="rId23"/>
-    <p:sldId id="345" r:id="rId24"/>
-    <p:sldId id="344" r:id="rId25"/>
-    <p:sldId id="343" r:id="rId26"/>
-    <p:sldId id="340" r:id="rId27"/>
-    <p:sldId id="341" r:id="rId28"/>
-    <p:sldId id="342" r:id="rId29"/>
-    <p:sldId id="334" r:id="rId30"/>
-    <p:sldId id="302" r:id="rId31"/>
+    <p:sldId id="365" r:id="rId17"/>
+    <p:sldId id="366" r:id="rId18"/>
+    <p:sldId id="367" r:id="rId19"/>
+    <p:sldId id="347" r:id="rId20"/>
+    <p:sldId id="346" r:id="rId21"/>
+    <p:sldId id="350" r:id="rId22"/>
+    <p:sldId id="355" r:id="rId23"/>
+    <p:sldId id="351" r:id="rId24"/>
+    <p:sldId id="354" r:id="rId25"/>
+    <p:sldId id="337" r:id="rId26"/>
+    <p:sldId id="345" r:id="rId27"/>
+    <p:sldId id="344" r:id="rId28"/>
+    <p:sldId id="343" r:id="rId29"/>
+    <p:sldId id="340" r:id="rId30"/>
+    <p:sldId id="341" r:id="rId31"/>
+    <p:sldId id="342" r:id="rId32"/>
+    <p:sldId id="334" r:id="rId33"/>
+    <p:sldId id="302" r:id="rId34"/>
   </p:sldIdLst>
   <p:sldSz cx="9144000" cy="5143500" type="screen16x9"/>
   <p:notesSz cx="6858000" cy="9144000"/>
@@ -254,7 +257,7 @@
             <a:fld id="{C0BBD239-24B2-074B-A04E-B0D0C209D403}" type="datetimeFigureOut">
               <a:rPr lang="en-US" smtClean="0"/>
               <a:pPr/>
-              <a:t>12/4/2020</a:t>
+              <a:t>12/9/2020</a:t>
             </a:fld>
             <a:endParaRPr lang="en-US"/>
           </a:p>
@@ -625,6 +628,384 @@
 </p:notes>
 </file>
 
+<file path=ppt/notesSlides/notesSlide10.xml><?xml version="1.0" encoding="utf-8"?>
+<p:notes xmlns:a="http://schemas.openxmlformats.org/drawingml/2006/main" xmlns:r="http://schemas.openxmlformats.org/officeDocument/2006/relationships" xmlns:p="http://schemas.openxmlformats.org/presentationml/2006/main">
+  <p:cSld>
+    <p:spTree>
+      <p:nvGrpSpPr>
+        <p:cNvPr id="1" name=""/>
+        <p:cNvGrpSpPr/>
+        <p:nvPr/>
+      </p:nvGrpSpPr>
+      <p:grpSpPr>
+        <a:xfrm>
+          <a:off x="0" y="0"/>
+          <a:ext cx="0" cy="0"/>
+          <a:chOff x="0" y="0"/>
+          <a:chExt cx="0" cy="0"/>
+        </a:xfrm>
+      </p:grpSpPr>
+      <p:sp>
+        <p:nvSpPr>
+          <p:cNvPr id="2" name="幻灯片图像占位符 1"/>
+          <p:cNvSpPr>
+            <a:spLocks noGrp="1" noRot="1" noChangeAspect="1"/>
+          </p:cNvSpPr>
+          <p:nvPr>
+            <p:ph type="sldImg"/>
+          </p:nvPr>
+        </p:nvSpPr>
+        <p:spPr/>
+      </p:sp>
+      <p:sp>
+        <p:nvSpPr>
+          <p:cNvPr id="3" name="备注占位符 2"/>
+          <p:cNvSpPr>
+            <a:spLocks noGrp="1"/>
+          </p:cNvSpPr>
+          <p:nvPr>
+            <p:ph type="body" idx="1"/>
+          </p:nvPr>
+        </p:nvSpPr>
+        <p:spPr/>
+        <p:txBody>
+          <a:bodyPr/>
+          <a:lstStyle/>
+          <a:p>
+            <a:r>
+              <a:rPr lang="zh-CN" altLang="en-US" dirty="0"/>
+              <a:t>引擎</a:t>
+            </a:r>
+            <a:r>
+              <a:rPr lang="en-US" altLang="zh-CN" dirty="0"/>
+              <a:t>---</a:t>
+            </a:r>
+            <a:r>
+              <a:rPr lang="zh-CN" altLang="en-US" dirty="0"/>
+              <a:t>包装过的函数库</a:t>
+            </a:r>
+          </a:p>
+        </p:txBody>
+      </p:sp>
+      <p:sp>
+        <p:nvSpPr>
+          <p:cNvPr id="4" name="灯片编号占位符 3"/>
+          <p:cNvSpPr>
+            <a:spLocks noGrp="1"/>
+          </p:cNvSpPr>
+          <p:nvPr>
+            <p:ph type="sldNum" sz="quarter" idx="5"/>
+          </p:nvPr>
+        </p:nvSpPr>
+        <p:spPr/>
+        <p:txBody>
+          <a:bodyPr/>
+          <a:lstStyle/>
+          <a:p>
+            <a:fld id="{CE9D9560-4F1E-0F40-8270-6A1C6DC76EFA}" type="slidenum">
+              <a:rPr lang="en-US" smtClean="0"/>
+              <a:pPr/>
+              <a:t>19</a:t>
+            </a:fld>
+            <a:endParaRPr lang="en-US"/>
+          </a:p>
+        </p:txBody>
+      </p:sp>
+    </p:spTree>
+    <p:extLst>
+      <p:ext uri="{BB962C8B-B14F-4D97-AF65-F5344CB8AC3E}">
+        <p14:creationId xmlns:p14="http://schemas.microsoft.com/office/powerpoint/2010/main" val="1751160168"/>
+      </p:ext>
+    </p:extLst>
+  </p:cSld>
+  <p:clrMapOvr>
+    <a:masterClrMapping/>
+  </p:clrMapOvr>
+</p:notes>
+</file>
+
+<file path=ppt/notesSlides/notesSlide11.xml><?xml version="1.0" encoding="utf-8"?>
+<p:notes xmlns:a="http://schemas.openxmlformats.org/drawingml/2006/main" xmlns:r="http://schemas.openxmlformats.org/officeDocument/2006/relationships" xmlns:p="http://schemas.openxmlformats.org/presentationml/2006/main">
+  <p:cSld>
+    <p:spTree>
+      <p:nvGrpSpPr>
+        <p:cNvPr id="1" name=""/>
+        <p:cNvGrpSpPr/>
+        <p:nvPr/>
+      </p:nvGrpSpPr>
+      <p:grpSpPr>
+        <a:xfrm>
+          <a:off x="0" y="0"/>
+          <a:ext cx="0" cy="0"/>
+          <a:chOff x="0" y="0"/>
+          <a:chExt cx="0" cy="0"/>
+        </a:xfrm>
+      </p:grpSpPr>
+      <p:sp>
+        <p:nvSpPr>
+          <p:cNvPr id="2" name="幻灯片图像占位符 1"/>
+          <p:cNvSpPr>
+            <a:spLocks noGrp="1" noRot="1" noChangeAspect="1"/>
+          </p:cNvSpPr>
+          <p:nvPr>
+            <p:ph type="sldImg"/>
+          </p:nvPr>
+        </p:nvSpPr>
+        <p:spPr/>
+      </p:sp>
+      <p:sp>
+        <p:nvSpPr>
+          <p:cNvPr id="3" name="备注占位符 2"/>
+          <p:cNvSpPr>
+            <a:spLocks noGrp="1"/>
+          </p:cNvSpPr>
+          <p:nvPr>
+            <p:ph type="body" idx="1"/>
+          </p:nvPr>
+        </p:nvSpPr>
+        <p:spPr/>
+        <p:txBody>
+          <a:bodyPr/>
+          <a:lstStyle/>
+          <a:p>
+            <a:r>
+              <a:rPr lang="zh-CN" altLang="en-US" dirty="0"/>
+              <a:t>传统虚拟机创建的是完整的操作系统，消耗的是实际的的物理资源。</a:t>
+            </a:r>
+            <a:endParaRPr lang="en-US" altLang="zh-CN" dirty="0"/>
+          </a:p>
+          <a:p>
+            <a:r>
+              <a:rPr lang="zh-CN" altLang="en-US" dirty="0"/>
+              <a:t>资源开销大。</a:t>
+            </a:r>
+            <a:endParaRPr lang="en-US" altLang="zh-CN" dirty="0"/>
+          </a:p>
+          <a:p>
+            <a:r>
+              <a:rPr lang="zh-CN" altLang="en-US" dirty="0"/>
+              <a:t>资源隔离。</a:t>
+            </a:r>
+            <a:endParaRPr lang="en-US" altLang="zh-CN" dirty="0"/>
+          </a:p>
+          <a:p>
+            <a:endParaRPr lang="en-US" altLang="zh-CN" dirty="0"/>
+          </a:p>
+          <a:p>
+            <a:endParaRPr lang="en-US" altLang="zh-CN" dirty="0"/>
+          </a:p>
+          <a:p>
+            <a:endParaRPr lang="zh-CN" altLang="en-US" dirty="0"/>
+          </a:p>
+        </p:txBody>
+      </p:sp>
+      <p:sp>
+        <p:nvSpPr>
+          <p:cNvPr id="4" name="灯片编号占位符 3"/>
+          <p:cNvSpPr>
+            <a:spLocks noGrp="1"/>
+          </p:cNvSpPr>
+          <p:nvPr>
+            <p:ph type="sldNum" sz="quarter" idx="5"/>
+          </p:nvPr>
+        </p:nvSpPr>
+        <p:spPr/>
+        <p:txBody>
+          <a:bodyPr/>
+          <a:lstStyle/>
+          <a:p>
+            <a:fld id="{CE9D9560-4F1E-0F40-8270-6A1C6DC76EFA}" type="slidenum">
+              <a:rPr lang="en-US" smtClean="0"/>
+              <a:pPr/>
+              <a:t>20</a:t>
+            </a:fld>
+            <a:endParaRPr lang="en-US"/>
+          </a:p>
+        </p:txBody>
+      </p:sp>
+    </p:spTree>
+    <p:extLst>
+      <p:ext uri="{BB962C8B-B14F-4D97-AF65-F5344CB8AC3E}">
+        <p14:creationId xmlns:p14="http://schemas.microsoft.com/office/powerpoint/2010/main" val="2063447082"/>
+      </p:ext>
+    </p:extLst>
+  </p:cSld>
+  <p:clrMapOvr>
+    <a:masterClrMapping/>
+  </p:clrMapOvr>
+</p:notes>
+</file>
+
+<file path=ppt/notesSlides/notesSlide12.xml><?xml version="1.0" encoding="utf-8"?>
+<p:notes xmlns:a="http://schemas.openxmlformats.org/drawingml/2006/main" xmlns:r="http://schemas.openxmlformats.org/officeDocument/2006/relationships" xmlns:p="http://schemas.openxmlformats.org/presentationml/2006/main">
+  <p:cSld>
+    <p:spTree>
+      <p:nvGrpSpPr>
+        <p:cNvPr id="1" name=""/>
+        <p:cNvGrpSpPr/>
+        <p:nvPr/>
+      </p:nvGrpSpPr>
+      <p:grpSpPr>
+        <a:xfrm>
+          <a:off x="0" y="0"/>
+          <a:ext cx="0" cy="0"/>
+          <a:chOff x="0" y="0"/>
+          <a:chExt cx="0" cy="0"/>
+        </a:xfrm>
+      </p:grpSpPr>
+      <p:sp>
+        <p:nvSpPr>
+          <p:cNvPr id="2" name="幻灯片图像占位符 1"/>
+          <p:cNvSpPr>
+            <a:spLocks noGrp="1" noRot="1" noChangeAspect="1"/>
+          </p:cNvSpPr>
+          <p:nvPr>
+            <p:ph type="sldImg"/>
+          </p:nvPr>
+        </p:nvSpPr>
+        <p:spPr/>
+      </p:sp>
+      <p:sp>
+        <p:nvSpPr>
+          <p:cNvPr id="3" name="备注占位符 2"/>
+          <p:cNvSpPr>
+            <a:spLocks noGrp="1"/>
+          </p:cNvSpPr>
+          <p:nvPr>
+            <p:ph type="body" idx="1"/>
+          </p:nvPr>
+        </p:nvSpPr>
+        <p:spPr/>
+        <p:txBody>
+          <a:bodyPr/>
+          <a:lstStyle/>
+          <a:p>
+            <a:endParaRPr lang="zh-CN" altLang="en-US" dirty="0"/>
+          </a:p>
+        </p:txBody>
+      </p:sp>
+      <p:sp>
+        <p:nvSpPr>
+          <p:cNvPr id="4" name="灯片编号占位符 3"/>
+          <p:cNvSpPr>
+            <a:spLocks noGrp="1"/>
+          </p:cNvSpPr>
+          <p:nvPr>
+            <p:ph type="sldNum" sz="quarter" idx="5"/>
+          </p:nvPr>
+        </p:nvSpPr>
+        <p:spPr/>
+        <p:txBody>
+          <a:bodyPr/>
+          <a:lstStyle/>
+          <a:p>
+            <a:fld id="{CE9D9560-4F1E-0F40-8270-6A1C6DC76EFA}" type="slidenum">
+              <a:rPr lang="en-US" smtClean="0"/>
+              <a:pPr/>
+              <a:t>22</a:t>
+            </a:fld>
+            <a:endParaRPr lang="en-US"/>
+          </a:p>
+        </p:txBody>
+      </p:sp>
+    </p:spTree>
+    <p:extLst>
+      <p:ext uri="{BB962C8B-B14F-4D97-AF65-F5344CB8AC3E}">
+        <p14:creationId xmlns:p14="http://schemas.microsoft.com/office/powerpoint/2010/main" val="753850620"/>
+      </p:ext>
+    </p:extLst>
+  </p:cSld>
+  <p:clrMapOvr>
+    <a:masterClrMapping/>
+  </p:clrMapOvr>
+</p:notes>
+</file>
+
+<file path=ppt/notesSlides/notesSlide13.xml><?xml version="1.0" encoding="utf-8"?>
+<p:notes xmlns:a="http://schemas.openxmlformats.org/drawingml/2006/main" xmlns:r="http://schemas.openxmlformats.org/officeDocument/2006/relationships" xmlns:p="http://schemas.openxmlformats.org/presentationml/2006/main">
+  <p:cSld>
+    <p:spTree>
+      <p:nvGrpSpPr>
+        <p:cNvPr id="1" name=""/>
+        <p:cNvGrpSpPr/>
+        <p:nvPr/>
+      </p:nvGrpSpPr>
+      <p:grpSpPr>
+        <a:xfrm>
+          <a:off x="0" y="0"/>
+          <a:ext cx="0" cy="0"/>
+          <a:chOff x="0" y="0"/>
+          <a:chExt cx="0" cy="0"/>
+        </a:xfrm>
+      </p:grpSpPr>
+      <p:sp>
+        <p:nvSpPr>
+          <p:cNvPr id="2" name="幻灯片图像占位符 1"/>
+          <p:cNvSpPr>
+            <a:spLocks noGrp="1" noRot="1" noChangeAspect="1"/>
+          </p:cNvSpPr>
+          <p:nvPr>
+            <p:ph type="sldImg"/>
+          </p:nvPr>
+        </p:nvSpPr>
+        <p:spPr/>
+      </p:sp>
+      <p:sp>
+        <p:nvSpPr>
+          <p:cNvPr id="3" name="备注占位符 2"/>
+          <p:cNvSpPr>
+            <a:spLocks noGrp="1"/>
+          </p:cNvSpPr>
+          <p:nvPr>
+            <p:ph type="body" idx="1"/>
+          </p:nvPr>
+        </p:nvSpPr>
+        <p:spPr/>
+        <p:txBody>
+          <a:bodyPr/>
+          <a:lstStyle/>
+          <a:p>
+            <a:endParaRPr lang="zh-CN" altLang="en-US" dirty="0"/>
+          </a:p>
+        </p:txBody>
+      </p:sp>
+      <p:sp>
+        <p:nvSpPr>
+          <p:cNvPr id="4" name="灯片编号占位符 3"/>
+          <p:cNvSpPr>
+            <a:spLocks noGrp="1"/>
+          </p:cNvSpPr>
+          <p:nvPr>
+            <p:ph type="sldNum" sz="quarter" idx="5"/>
+          </p:nvPr>
+        </p:nvSpPr>
+        <p:spPr/>
+        <p:txBody>
+          <a:bodyPr/>
+          <a:lstStyle/>
+          <a:p>
+            <a:fld id="{CE9D9560-4F1E-0F40-8270-6A1C6DC76EFA}" type="slidenum">
+              <a:rPr lang="en-US" smtClean="0"/>
+              <a:pPr/>
+              <a:t>28</a:t>
+            </a:fld>
+            <a:endParaRPr lang="en-US"/>
+          </a:p>
+        </p:txBody>
+      </p:sp>
+    </p:spTree>
+    <p:extLst>
+      <p:ext uri="{BB962C8B-B14F-4D97-AF65-F5344CB8AC3E}">
+        <p14:creationId xmlns:p14="http://schemas.microsoft.com/office/powerpoint/2010/main" val="1160321107"/>
+      </p:ext>
+    </p:extLst>
+  </p:cSld>
+  <p:clrMapOvr>
+    <a:masterClrMapping/>
+  </p:clrMapOvr>
+</p:notes>
+</file>
+
 <file path=ppt/notesSlides/notesSlide2.xml><?xml version="1.0" encoding="utf-8"?>
 <p:notes xmlns:a="http://schemas.openxmlformats.org/drawingml/2006/main" xmlns:r="http://schemas.openxmlformats.org/officeDocument/2006/relationships" xmlns:p="http://schemas.openxmlformats.org/presentationml/2006/main">
   <p:cSld>
@@ -876,53 +1257,89 @@
           <a:lstStyle/>
           <a:p>
             <a:r>
+              <a:rPr lang="en-US" altLang="zh-CN" dirty="0" err="1"/>
+              <a:t>Etcd</a:t>
+            </a:r>
+            <a:r>
               <a:rPr lang="en-US" altLang="zh-CN" dirty="0"/>
-              <a:t>Container</a:t>
+              <a:t>  </a:t>
             </a:r>
             <a:r>
               <a:rPr lang="zh-CN" altLang="en-US" dirty="0"/>
-              <a:t>（容器）用来所需的服务（</a:t>
-            </a:r>
+              <a:t>可信赖的分布式键值对存储数据库，保存分布式结构的关键数据</a:t>
+            </a:r>
+            <a:endParaRPr lang="en-US" altLang="zh-CN" dirty="0"/>
+          </a:p>
+          <a:p>
             <a:r>
               <a:rPr lang="en-US" altLang="zh-CN" dirty="0" err="1"/>
-              <a:t>Servies</a:t>
+              <a:t>Api</a:t>
+            </a:r>
+            <a:r>
+              <a:rPr lang="en-US" altLang="zh-CN" dirty="0"/>
+              <a:t> Server </a:t>
             </a:r>
             <a:r>
               <a:rPr lang="zh-CN" altLang="en-US" dirty="0"/>
-              <a:t>）和我们所需的</a:t>
-            </a:r>
+              <a:t>所有服务访问的统一入库</a:t>
+            </a:r>
+            <a:endParaRPr lang="en-US" altLang="zh-CN" dirty="0"/>
+          </a:p>
+          <a:p>
+            <a:r>
+              <a:rPr lang="en-US" altLang="zh-CN" dirty="0" err="1"/>
+              <a:t>ControllerManger</a:t>
+            </a:r>
+            <a:r>
+              <a:rPr lang="zh-CN" altLang="en-US" dirty="0"/>
+              <a:t>：维持副本期望数目</a:t>
+            </a:r>
+            <a:endParaRPr lang="en-US" altLang="zh-CN" dirty="0"/>
+          </a:p>
+          <a:p>
             <a:r>
               <a:rPr lang="en-US" altLang="zh-CN" dirty="0"/>
-              <a:t>App</a:t>
+              <a:t>Scheduler: </a:t>
             </a:r>
             <a:r>
               <a:rPr lang="zh-CN" altLang="en-US" dirty="0"/>
-              <a:t>。</a:t>
+              <a:t>调度器，负责介绍任务，选择合适的节点进行分配任务</a:t>
+            </a:r>
+            <a:endParaRPr lang="en-US" altLang="zh-CN" dirty="0"/>
+          </a:p>
+          <a:p>
+            <a:r>
+              <a:rPr lang="en-US" altLang="zh-CN" dirty="0" err="1"/>
+              <a:t>Kubelet</a:t>
             </a:r>
             <a:r>
               <a:rPr lang="en-US" altLang="zh-CN" dirty="0"/>
-              <a:t>Container</a:t>
+              <a:t>: </a:t>
             </a:r>
             <a:r>
               <a:rPr lang="zh-CN" altLang="en-US" dirty="0"/>
-              <a:t>准备好后，就可以生成镜像</a:t>
+              <a:t>直接跟容器引擎交互，实现容器的生命周期管理</a:t>
+            </a:r>
+            <a:endParaRPr lang="en-US" altLang="zh-CN" dirty="0"/>
+          </a:p>
+          <a:p>
+            <a:r>
+              <a:rPr lang="en-US" altLang="zh-CN" dirty="0" err="1"/>
+              <a:t>Kuber</a:t>
             </a:r>
             <a:r>
               <a:rPr lang="en-US" altLang="zh-CN" dirty="0"/>
-              <a:t>(Image)</a:t>
+              <a:t>-proxy: </a:t>
             </a:r>
             <a:r>
               <a:rPr lang="zh-CN" altLang="en-US" dirty="0"/>
-              <a:t>文件，以文件的形式存储。我们再把镜像文件上传到镜像仓库（</a:t>
+              <a:t>负责写入规则至</a:t>
             </a:r>
             <a:r>
               <a:rPr lang="en-US" altLang="zh-CN" dirty="0"/>
-              <a:t>Docker-hub</a:t>
-            </a:r>
-            <a:r>
-              <a:rPr lang="zh-CN" altLang="en-US" dirty="0"/>
-              <a:t>）上，这样别人就能通过镜像仓库下载对应版本的镜像，进行部署。</a:t>
-            </a:r>
+              <a:t>IP</a:t>
+            </a:r>
+            <a:endParaRPr lang="zh-CN" altLang="en-US" dirty="0"/>
           </a:p>
         </p:txBody>
       </p:sp>
@@ -944,7 +1361,7 @@
             <a:fld id="{CE9D9560-4F1E-0F40-8270-6A1C6DC76EFA}" type="slidenum">
               <a:rPr lang="en-US" smtClean="0"/>
               <a:pPr/>
-              <a:t>13</a:t>
+              <a:t>12</a:t>
             </a:fld>
             <a:endParaRPr lang="en-US"/>
           </a:p>
@@ -953,7 +1370,7 @@
     </p:spTree>
     <p:extLst>
       <p:ext uri="{BB962C8B-B14F-4D97-AF65-F5344CB8AC3E}">
-        <p14:creationId xmlns:p14="http://schemas.microsoft.com/office/powerpoint/2010/main" val="231986414"/>
+        <p14:creationId xmlns:p14="http://schemas.microsoft.com/office/powerpoint/2010/main" val="849708768"/>
       </p:ext>
     </p:extLst>
   </p:cSld>
@@ -1009,56 +1426,72 @@
           <a:p>
             <a:r>
               <a:rPr lang="en-US" altLang="zh-CN" dirty="0"/>
-              <a:t>Docker</a:t>
+              <a:t>Raft </a:t>
             </a:r>
             <a:r>
               <a:rPr lang="zh-CN" altLang="en-US" dirty="0"/>
-              <a:t>容易可以运行再任何具有</a:t>
-            </a:r>
+              <a:t>存储读写信息</a:t>
+            </a:r>
+            <a:endParaRPr lang="en-US" altLang="zh-CN" dirty="0"/>
+          </a:p>
+          <a:p>
+            <a:pPr marL="0" marR="0" lvl="0" indent="0" algn="l" defTabSz="457200" rtl="0" eaLnBrk="1" fontAlgn="auto" latinLnBrk="0" hangingPunct="1">
+              <a:lnSpc>
+                <a:spcPct val="100000"/>
+              </a:lnSpc>
+              <a:spcBef>
+                <a:spcPts val="0"/>
+              </a:spcBef>
+              <a:spcAft>
+                <a:spcPts val="0"/>
+              </a:spcAft>
+              <a:buClrTx/>
+              <a:buSzTx/>
+              <a:buFontTx/>
+              <a:buNone/>
+              <a:tabLst/>
+              <a:defRPr/>
+            </a:pPr>
             <a:r>
               <a:rPr lang="en-US" altLang="zh-CN" dirty="0"/>
-              <a:t>Docker</a:t>
+              <a:t>WAL </a:t>
             </a:r>
             <a:r>
               <a:rPr lang="zh-CN" altLang="en-US" dirty="0"/>
-              <a:t>引擎的地方移植。</a:t>
-            </a:r>
+              <a:t>预写日志：</a:t>
+            </a:r>
+            <a:r>
+              <a:rPr lang="en-US" altLang="zh-CN" dirty="0"/>
+              <a:t>Entry </a:t>
+            </a:r>
+            <a:r>
+              <a:rPr lang="zh-CN" altLang="en-US" dirty="0"/>
+              <a:t>增量</a:t>
+            </a:r>
+            <a:r>
+              <a:rPr lang="en-US" altLang="zh-CN" dirty="0"/>
+              <a:t>, Snapshot</a:t>
+            </a:r>
+            <a:r>
+              <a:rPr lang="zh-CN" altLang="en-US" dirty="0"/>
+              <a:t>完成备份</a:t>
+            </a:r>
+            <a:r>
+              <a:rPr lang="en-US" altLang="zh-CN" dirty="0"/>
+              <a:t>/</a:t>
+            </a:r>
+            <a:r>
+              <a:rPr lang="zh-CN" altLang="en-US" dirty="0"/>
+              <a:t>快照</a:t>
+            </a:r>
+          </a:p>
+          <a:p>
             <a:endParaRPr lang="en-US" altLang="zh-CN" dirty="0"/>
           </a:p>
           <a:p>
             <a:r>
-              <a:rPr lang="zh-CN" altLang="en-US" dirty="0"/>
-              <a:t>容器共享计算机的操作系统的内核。不需要每个程序都具有</a:t>
-            </a:r>
-            <a:r>
               <a:rPr lang="en-US" altLang="zh-CN" dirty="0"/>
-              <a:t>OS</a:t>
-            </a:r>
-            <a:r>
-              <a:rPr lang="zh-CN" altLang="en-US" dirty="0"/>
-              <a:t>，提高服务效率，降低了服务器和许可成本</a:t>
-            </a:r>
-            <a:endParaRPr lang="en-US" altLang="zh-CN" dirty="0"/>
-          </a:p>
-          <a:p>
-            <a:r>
-              <a:rPr lang="en-US" altLang="zh-CN" dirty="0"/>
-              <a:t>Docker</a:t>
-            </a:r>
-            <a:r>
-              <a:rPr lang="zh-CN" altLang="en-US" dirty="0"/>
-              <a:t>容器提供了业界最强大的隔离功能，保证了容器内的应用程序安全</a:t>
-            </a:r>
-            <a:endParaRPr lang="en-US" altLang="zh-CN" dirty="0"/>
-          </a:p>
-          <a:p>
-            <a:r>
-              <a:rPr lang="en-US" altLang="zh-CN" dirty="0"/>
-              <a:t>Kernel </a:t>
-            </a:r>
-            <a:r>
-              <a:rPr lang="zh-CN" altLang="en-US" dirty="0"/>
-              <a:t>提供资源分配</a:t>
+              <a:t> </a:t>
             </a:r>
           </a:p>
         </p:txBody>
@@ -1081,7 +1514,7 @@
             <a:fld id="{CE9D9560-4F1E-0F40-8270-6A1C6DC76EFA}" type="slidenum">
               <a:rPr lang="en-US" smtClean="0"/>
               <a:pPr/>
-              <a:t>15</a:t>
+              <a:t>13</a:t>
             </a:fld>
             <a:endParaRPr lang="en-US"/>
           </a:p>
@@ -1090,7 +1523,7 @@
     </p:spTree>
     <p:extLst>
       <p:ext uri="{BB962C8B-B14F-4D97-AF65-F5344CB8AC3E}">
-        <p14:creationId xmlns:p14="http://schemas.microsoft.com/office/powerpoint/2010/main" val="2218907973"/>
+        <p14:creationId xmlns:p14="http://schemas.microsoft.com/office/powerpoint/2010/main" val="2067846437"/>
       </p:ext>
     </p:extLst>
   </p:cSld>
@@ -1145,17 +1578,10 @@
           <a:lstStyle/>
           <a:p>
             <a:r>
-              <a:rPr lang="zh-CN" altLang="en-US" dirty="0"/>
-              <a:t>引擎</a:t>
-            </a:r>
-            <a:r>
               <a:rPr lang="en-US" altLang="zh-CN" dirty="0"/>
-              <a:t>---</a:t>
-            </a:r>
-            <a:r>
-              <a:rPr lang="zh-CN" altLang="en-US" dirty="0"/>
-              <a:t>包装过的函数库</a:t>
-            </a:r>
+              <a:t>CRI – container  runtime interface </a:t>
+            </a:r>
+            <a:endParaRPr lang="zh-CN" altLang="en-US" dirty="0"/>
           </a:p>
         </p:txBody>
       </p:sp>
@@ -1177,7 +1603,7 @@
             <a:fld id="{CE9D9560-4F1E-0F40-8270-6A1C6DC76EFA}" type="slidenum">
               <a:rPr lang="en-US" smtClean="0"/>
               <a:pPr/>
-              <a:t>16</a:t>
+              <a:t>14</a:t>
             </a:fld>
             <a:endParaRPr lang="en-US"/>
           </a:p>
@@ -1186,7 +1612,7 @@
     </p:spTree>
     <p:extLst>
       <p:ext uri="{BB962C8B-B14F-4D97-AF65-F5344CB8AC3E}">
-        <p14:creationId xmlns:p14="http://schemas.microsoft.com/office/powerpoint/2010/main" val="1751160168"/>
+        <p14:creationId xmlns:p14="http://schemas.microsoft.com/office/powerpoint/2010/main" val="4293346964"/>
       </p:ext>
     </p:extLst>
   </p:cSld>
@@ -1241,33 +1667,29 @@
           <a:lstStyle/>
           <a:p>
             <a:r>
+              <a:rPr lang="en-US" altLang="zh-CN" dirty="0"/>
+              <a:t>C1</a:t>
+            </a:r>
+            <a:r>
               <a:rPr lang="zh-CN" altLang="en-US" dirty="0"/>
-              <a:t>传统虚拟机创建的是完整的操作系统，消耗的是实际的的物理资源。</a:t>
-            </a:r>
-            <a:endParaRPr lang="en-US" altLang="zh-CN" dirty="0"/>
-          </a:p>
-          <a:p>
+              <a:t>和</a:t>
+            </a:r>
+            <a:r>
+              <a:rPr lang="en-US" altLang="zh-CN" dirty="0"/>
+              <a:t>C2</a:t>
+            </a:r>
             <a:r>
               <a:rPr lang="zh-CN" altLang="en-US" dirty="0"/>
-              <a:t>资源开销大。</a:t>
-            </a:r>
-            <a:endParaRPr lang="en-US" altLang="zh-CN" dirty="0"/>
-          </a:p>
-          <a:p>
+              <a:t>共用</a:t>
+            </a:r>
+            <a:r>
+              <a:rPr lang="en-US" altLang="zh-CN" dirty="0"/>
+              <a:t>pause</a:t>
+            </a:r>
             <a:r>
               <a:rPr lang="zh-CN" altLang="en-US" dirty="0"/>
-              <a:t>资源隔离。</a:t>
-            </a:r>
-            <a:endParaRPr lang="en-US" altLang="zh-CN" dirty="0"/>
-          </a:p>
-          <a:p>
-            <a:endParaRPr lang="en-US" altLang="zh-CN" dirty="0"/>
-          </a:p>
-          <a:p>
-            <a:endParaRPr lang="en-US" altLang="zh-CN" dirty="0"/>
-          </a:p>
-          <a:p>
-            <a:endParaRPr lang="zh-CN" altLang="en-US" dirty="0"/>
+              <a:t>的存储，网络</a:t>
+            </a:r>
           </a:p>
         </p:txBody>
       </p:sp>
@@ -1289,7 +1711,7 @@
             <a:fld id="{CE9D9560-4F1E-0F40-8270-6A1C6DC76EFA}" type="slidenum">
               <a:rPr lang="en-US" smtClean="0"/>
               <a:pPr/>
-              <a:t>17</a:t>
+              <a:t>15</a:t>
             </a:fld>
             <a:endParaRPr lang="en-US"/>
           </a:p>
@@ -1298,7 +1720,7 @@
     </p:spTree>
     <p:extLst>
       <p:ext uri="{BB962C8B-B14F-4D97-AF65-F5344CB8AC3E}">
-        <p14:creationId xmlns:p14="http://schemas.microsoft.com/office/powerpoint/2010/main" val="2063447082"/>
+        <p14:creationId xmlns:p14="http://schemas.microsoft.com/office/powerpoint/2010/main" val="1700641013"/>
       </p:ext>
     </p:extLst>
   </p:cSld>
@@ -1352,7 +1774,54 @@
           <a:bodyPr/>
           <a:lstStyle/>
           <a:p>
-            <a:endParaRPr lang="zh-CN" altLang="en-US" dirty="0"/>
+            <a:r>
+              <a:rPr lang="en-US" altLang="zh-CN" dirty="0"/>
+              <a:t>Container</a:t>
+            </a:r>
+            <a:r>
+              <a:rPr lang="zh-CN" altLang="en-US" dirty="0"/>
+              <a:t>（容器）用来所需的服务（</a:t>
+            </a:r>
+            <a:r>
+              <a:rPr lang="en-US" altLang="zh-CN" dirty="0" err="1"/>
+              <a:t>Servies</a:t>
+            </a:r>
+            <a:r>
+              <a:rPr lang="zh-CN" altLang="en-US" dirty="0"/>
+              <a:t>）和我们所需的</a:t>
+            </a:r>
+            <a:r>
+              <a:rPr lang="en-US" altLang="zh-CN" dirty="0"/>
+              <a:t>App</a:t>
+            </a:r>
+            <a:r>
+              <a:rPr lang="zh-CN" altLang="en-US" dirty="0"/>
+              <a:t>。</a:t>
+            </a:r>
+            <a:r>
+              <a:rPr lang="en-US" altLang="zh-CN" dirty="0"/>
+              <a:t>Container</a:t>
+            </a:r>
+            <a:r>
+              <a:rPr lang="zh-CN" altLang="en-US" dirty="0"/>
+              <a:t>准备好后，就可以生成镜像</a:t>
+            </a:r>
+            <a:r>
+              <a:rPr lang="en-US" altLang="zh-CN" dirty="0"/>
+              <a:t>(Image)</a:t>
+            </a:r>
+            <a:r>
+              <a:rPr lang="zh-CN" altLang="en-US" dirty="0"/>
+              <a:t>文件，以文件的形式存储。我们再把镜像文件上传到镜像仓库（</a:t>
+            </a:r>
+            <a:r>
+              <a:rPr lang="en-US" altLang="zh-CN" dirty="0"/>
+              <a:t>Docker-hub</a:t>
+            </a:r>
+            <a:r>
+              <a:rPr lang="zh-CN" altLang="en-US" dirty="0"/>
+              <a:t>）上，这样别人就能通过镜像仓库下载对应版本的镜像，进行部署。</a:t>
+            </a:r>
           </a:p>
         </p:txBody>
       </p:sp>
@@ -1374,7 +1843,7 @@
             <a:fld id="{CE9D9560-4F1E-0F40-8270-6A1C6DC76EFA}" type="slidenum">
               <a:rPr lang="en-US" smtClean="0"/>
               <a:pPr/>
-              <a:t>19</a:t>
+              <a:t>16</a:t>
             </a:fld>
             <a:endParaRPr lang="en-US"/>
           </a:p>
@@ -1383,7 +1852,7 @@
     </p:spTree>
     <p:extLst>
       <p:ext uri="{BB962C8B-B14F-4D97-AF65-F5344CB8AC3E}">
-        <p14:creationId xmlns:p14="http://schemas.microsoft.com/office/powerpoint/2010/main" val="753850620"/>
+        <p14:creationId xmlns:p14="http://schemas.microsoft.com/office/powerpoint/2010/main" val="231986414"/>
       </p:ext>
     </p:extLst>
   </p:cSld>
@@ -1437,7 +1906,59 @@
           <a:bodyPr/>
           <a:lstStyle/>
           <a:p>
-            <a:endParaRPr lang="zh-CN" altLang="en-US" dirty="0"/>
+            <a:r>
+              <a:rPr lang="en-US" altLang="zh-CN" dirty="0"/>
+              <a:t>Docker</a:t>
+            </a:r>
+            <a:r>
+              <a:rPr lang="zh-CN" altLang="en-US" dirty="0"/>
+              <a:t>容易可以运行再任何具有</a:t>
+            </a:r>
+            <a:r>
+              <a:rPr lang="en-US" altLang="zh-CN" dirty="0"/>
+              <a:t>Docker</a:t>
+            </a:r>
+            <a:r>
+              <a:rPr lang="zh-CN" altLang="en-US" dirty="0"/>
+              <a:t>引擎的地方移植。</a:t>
+            </a:r>
+            <a:endParaRPr lang="en-US" altLang="zh-CN" dirty="0"/>
+          </a:p>
+          <a:p>
+            <a:r>
+              <a:rPr lang="zh-CN" altLang="en-US" dirty="0"/>
+              <a:t>容器共享计算机的操作系统的内核。不需要每个程序都具有</a:t>
+            </a:r>
+            <a:r>
+              <a:rPr lang="en-US" altLang="zh-CN" dirty="0"/>
+              <a:t>OS</a:t>
+            </a:r>
+            <a:r>
+              <a:rPr lang="zh-CN" altLang="en-US" dirty="0"/>
+              <a:t>，提高服务效率，降低了服务器和许可成本</a:t>
+            </a:r>
+            <a:endParaRPr lang="en-US" altLang="zh-CN" dirty="0"/>
+          </a:p>
+          <a:p>
+            <a:r>
+              <a:rPr lang="en-US" altLang="zh-CN" dirty="0"/>
+              <a:t>Docker</a:t>
+            </a:r>
+            <a:r>
+              <a:rPr lang="zh-CN" altLang="en-US" dirty="0"/>
+              <a:t>容器提供了业界最强大的隔离功能，保证了容器内的应用程序安全</a:t>
+            </a:r>
+            <a:endParaRPr lang="en-US" altLang="zh-CN" dirty="0"/>
+          </a:p>
+          <a:p>
+            <a:r>
+              <a:rPr lang="en-US" altLang="zh-CN" dirty="0"/>
+              <a:t>Kernel </a:t>
+            </a:r>
+            <a:r>
+              <a:rPr lang="zh-CN" altLang="en-US" dirty="0"/>
+              <a:t>提供资源分配</a:t>
+            </a:r>
           </a:p>
         </p:txBody>
       </p:sp>
@@ -1459,7 +1980,7 @@
             <a:fld id="{CE9D9560-4F1E-0F40-8270-6A1C6DC76EFA}" type="slidenum">
               <a:rPr lang="en-US" smtClean="0"/>
               <a:pPr/>
-              <a:t>25</a:t>
+              <a:t>18</a:t>
             </a:fld>
             <a:endParaRPr lang="en-US"/>
           </a:p>
@@ -1468,7 +1989,7 @@
     </p:spTree>
     <p:extLst>
       <p:ext uri="{BB962C8B-B14F-4D97-AF65-F5344CB8AC3E}">
-        <p14:creationId xmlns:p14="http://schemas.microsoft.com/office/powerpoint/2010/main" val="1160321107"/>
+        <p14:creationId xmlns:p14="http://schemas.microsoft.com/office/powerpoint/2010/main" val="2218907973"/>
       </p:ext>
     </p:extLst>
   </p:cSld>
@@ -6576,7 +7097,7 @@
           <a:p>
             <a:fld id="{4F79B82B-2C6C-4BB8-AE4A-EE102857CC3E}" type="datetime4">
               <a:rPr lang="en-US" smtClean="0"/>
-              <a:t>December 4, 2020</a:t>
+              <a:t>December 9, 2020</a:t>
             </a:fld>
             <a:endParaRPr lang="en-US" dirty="0"/>
           </a:p>
@@ -7413,8 +7934,8 @@
         </p:nvSpPr>
         <p:spPr>
           <a:xfrm>
-            <a:off x="472190" y="1251679"/>
-            <a:ext cx="8049718" cy="3492708"/>
+            <a:off x="427636" y="1099981"/>
+            <a:ext cx="8049718" cy="3606930"/>
           </a:xfrm>
           <a:prstGeom prst="roundRect">
             <a:avLst/>
@@ -7448,7 +7969,11 @@
           <a:lstStyle/>
           <a:p>
             <a:pPr algn="ctr"/>
-            <a:endParaRPr lang="zh-CN" altLang="en-US"/>
+            <a:r>
+              <a:rPr lang="en-US" altLang="zh-CN" dirty="0"/>
+              <a:t> </a:t>
+            </a:r>
+            <a:endParaRPr lang="zh-CN" altLang="en-US" dirty="0"/>
           </a:p>
         </p:txBody>
       </p:sp>
@@ -7466,8 +7991,236 @@
         </p:nvSpPr>
         <p:spPr>
           <a:xfrm>
-            <a:off x="3500203" y="1491521"/>
-            <a:ext cx="1469036" cy="457200"/>
+            <a:off x="763040" y="1263685"/>
+            <a:ext cx="7466266" cy="1304397"/>
+          </a:xfrm>
+          <a:prstGeom prst="roundRect">
+            <a:avLst/>
+          </a:prstGeom>
+          <a:solidFill>
+            <a:schemeClr val="accent6">
+              <a:lumMod val="50000"/>
+            </a:schemeClr>
+          </a:solidFill>
+          <a:ln>
+            <a:noFill/>
+          </a:ln>
+        </p:spPr>
+        <p:style>
+          <a:lnRef idx="0">
+            <a:scrgbClr r="0" g="0" b="0"/>
+          </a:lnRef>
+          <a:fillRef idx="0">
+            <a:scrgbClr r="0" g="0" b="0"/>
+          </a:fillRef>
+          <a:effectRef idx="0">
+            <a:scrgbClr r="0" g="0" b="0"/>
+          </a:effectRef>
+          <a:fontRef idx="minor">
+            <a:schemeClr val="lt1"/>
+          </a:fontRef>
+        </p:style>
+        <p:txBody>
+          <a:bodyPr vert="horz" rtlCol="0" anchor="t"/>
+          <a:lstStyle/>
+          <a:p>
+            <a:pPr algn="ctr"/>
+            <a:r>
+              <a:rPr lang="en-US" altLang="zh-CN" dirty="0"/>
+              <a:t>Master</a:t>
+            </a:r>
+            <a:endParaRPr lang="zh-CN" altLang="en-US" dirty="0"/>
+          </a:p>
+        </p:txBody>
+      </p:sp>
+      <p:sp>
+        <p:nvSpPr>
+          <p:cNvPr id="5" name="矩形: 圆角 4">
+            <a:extLst>
+              <a:ext uri="{FF2B5EF4-FFF2-40B4-BE49-F238E27FC236}">
+                <a16:creationId xmlns:a16="http://schemas.microsoft.com/office/drawing/2014/main" id="{6B5B7F7A-BB9F-4559-A809-4ED286C3C901}"/>
+              </a:ext>
+            </a:extLst>
+          </p:cNvPr>
+          <p:cNvSpPr/>
+          <p:nvPr/>
+        </p:nvSpPr>
+        <p:spPr>
+          <a:xfrm>
+            <a:off x="9674276" y="1986072"/>
+            <a:ext cx="1086787" cy="457200"/>
+          </a:xfrm>
+          <a:prstGeom prst="roundRect">
+            <a:avLst/>
+          </a:prstGeom>
+          <a:solidFill>
+            <a:srgbClr val="E9595C"/>
+          </a:solidFill>
+          <a:ln>
+            <a:noFill/>
+          </a:ln>
+        </p:spPr>
+        <p:style>
+          <a:lnRef idx="0">
+            <a:scrgbClr r="0" g="0" b="0"/>
+          </a:lnRef>
+          <a:fillRef idx="0">
+            <a:scrgbClr r="0" g="0" b="0"/>
+          </a:fillRef>
+          <a:effectRef idx="0">
+            <a:scrgbClr r="0" g="0" b="0"/>
+          </a:effectRef>
+          <a:fontRef idx="minor">
+            <a:schemeClr val="lt1"/>
+          </a:fontRef>
+        </p:style>
+        <p:txBody>
+          <a:bodyPr rtlCol="0" anchor="ctr"/>
+          <a:lstStyle/>
+          <a:p>
+            <a:pPr algn="ctr"/>
+            <a:r>
+              <a:rPr lang="en-US" altLang="zh-CN" dirty="0"/>
+              <a:t>HELM</a:t>
+            </a:r>
+            <a:endParaRPr lang="zh-CN" altLang="en-US" dirty="0"/>
+          </a:p>
+        </p:txBody>
+      </p:sp>
+      <p:sp>
+        <p:nvSpPr>
+          <p:cNvPr id="8" name="矩形: 圆角 7">
+            <a:extLst>
+              <a:ext uri="{FF2B5EF4-FFF2-40B4-BE49-F238E27FC236}">
+                <a16:creationId xmlns:a16="http://schemas.microsoft.com/office/drawing/2014/main" id="{D6BA29EB-980E-4B51-B39D-032320121116}"/>
+              </a:ext>
+            </a:extLst>
+          </p:cNvPr>
+          <p:cNvSpPr/>
+          <p:nvPr/>
+        </p:nvSpPr>
+        <p:spPr>
+          <a:xfrm>
+            <a:off x="6384578" y="1677610"/>
+            <a:ext cx="1296649" cy="537062"/>
+          </a:xfrm>
+          <a:prstGeom prst="roundRect">
+            <a:avLst/>
+          </a:prstGeom>
+          <a:solidFill>
+            <a:schemeClr val="tx2">
+              <a:lumMod val="60000"/>
+              <a:lumOff val="40000"/>
+            </a:schemeClr>
+          </a:solidFill>
+          <a:ln>
+            <a:noFill/>
+          </a:ln>
+        </p:spPr>
+        <p:style>
+          <a:lnRef idx="0">
+            <a:scrgbClr r="0" g="0" b="0"/>
+          </a:lnRef>
+          <a:fillRef idx="0">
+            <a:scrgbClr r="0" g="0" b="0"/>
+          </a:fillRef>
+          <a:effectRef idx="0">
+            <a:scrgbClr r="0" g="0" b="0"/>
+          </a:effectRef>
+          <a:fontRef idx="minor">
+            <a:schemeClr val="lt1"/>
+          </a:fontRef>
+        </p:style>
+        <p:txBody>
+          <a:bodyPr rtlCol="0" anchor="ctr"/>
+          <a:lstStyle/>
+          <a:p>
+            <a:pPr algn="ctr"/>
+            <a:r>
+              <a:rPr lang="en-US" altLang="zh-CN" sz="1600" dirty="0" err="1"/>
+              <a:t>Etcd</a:t>
+            </a:r>
+            <a:endParaRPr lang="en-US" altLang="zh-CN" sz="1600" dirty="0"/>
+          </a:p>
+        </p:txBody>
+      </p:sp>
+      <p:sp>
+        <p:nvSpPr>
+          <p:cNvPr id="9" name="矩形: 圆角 8">
+            <a:extLst>
+              <a:ext uri="{FF2B5EF4-FFF2-40B4-BE49-F238E27FC236}">
+                <a16:creationId xmlns:a16="http://schemas.microsoft.com/office/drawing/2014/main" id="{5547DB62-27EC-4EE0-A4B0-98A367E99FDE}"/>
+              </a:ext>
+            </a:extLst>
+          </p:cNvPr>
+          <p:cNvSpPr/>
+          <p:nvPr/>
+        </p:nvSpPr>
+        <p:spPr>
+          <a:xfrm>
+            <a:off x="4219260" y="1729706"/>
+            <a:ext cx="1373475" cy="537062"/>
+          </a:xfrm>
+          <a:prstGeom prst="roundRect">
+            <a:avLst/>
+          </a:prstGeom>
+          <a:solidFill>
+            <a:schemeClr val="tx2">
+              <a:lumMod val="60000"/>
+              <a:lumOff val="40000"/>
+            </a:schemeClr>
+          </a:solidFill>
+          <a:ln>
+            <a:noFill/>
+          </a:ln>
+        </p:spPr>
+        <p:style>
+          <a:lnRef idx="0">
+            <a:scrgbClr r="0" g="0" b="0"/>
+          </a:lnRef>
+          <a:fillRef idx="0">
+            <a:scrgbClr r="0" g="0" b="0"/>
+          </a:fillRef>
+          <a:effectRef idx="0">
+            <a:scrgbClr r="0" g="0" b="0"/>
+          </a:effectRef>
+          <a:fontRef idx="minor">
+            <a:schemeClr val="lt1"/>
+          </a:fontRef>
+        </p:style>
+        <p:txBody>
+          <a:bodyPr rtlCol="0" anchor="ctr"/>
+          <a:lstStyle/>
+          <a:p>
+            <a:pPr algn="ctr"/>
+            <a:r>
+              <a:rPr lang="en-US" altLang="zh-CN" sz="1600" dirty="0" err="1"/>
+              <a:t>Api</a:t>
+            </a:r>
+            <a:r>
+              <a:rPr lang="en-US" altLang="zh-CN" sz="1600" dirty="0"/>
+              <a:t> Server</a:t>
+            </a:r>
+            <a:endParaRPr lang="zh-CN" altLang="en-US" sz="1600" dirty="0"/>
+          </a:p>
+        </p:txBody>
+      </p:sp>
+      <p:sp>
+        <p:nvSpPr>
+          <p:cNvPr id="10" name="矩形: 圆角 9">
+            <a:extLst>
+              <a:ext uri="{FF2B5EF4-FFF2-40B4-BE49-F238E27FC236}">
+                <a16:creationId xmlns:a16="http://schemas.microsoft.com/office/drawing/2014/main" id="{524BF660-208A-4C6A-A6FF-1680CE7FF98A}"/>
+              </a:ext>
+            </a:extLst>
+          </p:cNvPr>
+          <p:cNvSpPr/>
+          <p:nvPr/>
+        </p:nvSpPr>
+        <p:spPr>
+          <a:xfrm>
+            <a:off x="9211453" y="653339"/>
+            <a:ext cx="1686394" cy="848818"/>
           </a:xfrm>
           <a:prstGeom prst="roundRect">
             <a:avLst/>
@@ -7500,7 +8253,27 @@
             <a:pPr algn="ctr"/>
             <a:r>
               <a:rPr lang="en-US" altLang="zh-CN" dirty="0"/>
-              <a:t>Master</a:t>
+              <a:t>Replication </a:t>
+            </a:r>
+            <a:r>
+              <a:rPr lang="en-US" altLang="zh-CN" dirty="0" err="1"/>
+              <a:t>controllser</a:t>
+            </a:r>
+            <a:endParaRPr lang="en-US" altLang="zh-CN" dirty="0"/>
+          </a:p>
+          <a:p>
+            <a:pPr algn="ctr"/>
+            <a:r>
+              <a:rPr lang="en-US" altLang="zh-CN" dirty="0"/>
+              <a:t>[</a:t>
+            </a:r>
+            <a:r>
+              <a:rPr lang="en-US" altLang="zh-CN" dirty="0" err="1"/>
+              <a:t>ReplicaSet</a:t>
+            </a:r>
+            <a:r>
+              <a:rPr lang="en-US" altLang="zh-CN" dirty="0"/>
+              <a:t>]</a:t>
             </a:r>
             <a:endParaRPr lang="zh-CN" altLang="en-US" dirty="0"/>
           </a:p>
@@ -7508,10 +8281,10 @@
       </p:sp>
       <p:sp>
         <p:nvSpPr>
-          <p:cNvPr id="7" name="矩形: 圆角 6">
+          <p:cNvPr id="11" name="矩形: 圆角 10">
             <a:extLst>
               <a:ext uri="{FF2B5EF4-FFF2-40B4-BE49-F238E27FC236}">
-                <a16:creationId xmlns:a16="http://schemas.microsoft.com/office/drawing/2014/main" id="{2E6FF9FF-B92C-484D-B519-BAED71B2317F}"/>
+                <a16:creationId xmlns:a16="http://schemas.microsoft.com/office/drawing/2014/main" id="{1F449145-7DC7-449E-997E-29595B11CD9B}"/>
               </a:ext>
             </a:extLst>
           </p:cNvPr>
@@ -7520,8 +8293,65 @@
         </p:nvSpPr>
         <p:spPr>
           <a:xfrm>
-            <a:off x="2158584" y="2233534"/>
-            <a:ext cx="1581462" cy="599607"/>
+            <a:off x="1340630" y="1729706"/>
+            <a:ext cx="2368446" cy="537062"/>
+          </a:xfrm>
+          <a:prstGeom prst="roundRect">
+            <a:avLst/>
+          </a:prstGeom>
+          <a:solidFill>
+            <a:schemeClr val="tx2">
+              <a:lumMod val="60000"/>
+              <a:lumOff val="40000"/>
+            </a:schemeClr>
+          </a:solidFill>
+          <a:ln>
+            <a:noFill/>
+          </a:ln>
+        </p:spPr>
+        <p:style>
+          <a:lnRef idx="0">
+            <a:scrgbClr r="0" g="0" b="0"/>
+          </a:lnRef>
+          <a:fillRef idx="0">
+            <a:scrgbClr r="0" g="0" b="0"/>
+          </a:fillRef>
+          <a:effectRef idx="0">
+            <a:scrgbClr r="0" g="0" b="0"/>
+          </a:effectRef>
+          <a:fontRef idx="minor">
+            <a:schemeClr val="lt1"/>
+          </a:fontRef>
+        </p:style>
+        <p:txBody>
+          <a:bodyPr rtlCol="0" anchor="ctr"/>
+          <a:lstStyle/>
+          <a:p>
+            <a:pPr algn="ctr"/>
+            <a:r>
+              <a:rPr lang="en-US" altLang="zh-CN" sz="1600" dirty="0"/>
+              <a:t>Scheduler</a:t>
+            </a:r>
+            <a:endParaRPr lang="zh-CN" altLang="en-US" sz="1600" dirty="0"/>
+          </a:p>
+        </p:txBody>
+      </p:sp>
+      <p:sp>
+        <p:nvSpPr>
+          <p:cNvPr id="13" name="矩形: 圆角 12">
+            <a:extLst>
+              <a:ext uri="{FF2B5EF4-FFF2-40B4-BE49-F238E27FC236}">
+                <a16:creationId xmlns:a16="http://schemas.microsoft.com/office/drawing/2014/main" id="{9AF77E67-8459-4517-8219-B128863294EB}"/>
+              </a:ext>
+            </a:extLst>
+          </p:cNvPr>
+          <p:cNvSpPr/>
+          <p:nvPr/>
+        </p:nvSpPr>
+        <p:spPr>
+          <a:xfrm>
+            <a:off x="9455046" y="2671186"/>
+            <a:ext cx="1738859" cy="457200"/>
           </a:xfrm>
           <a:prstGeom prst="roundRect">
             <a:avLst/>
@@ -7560,6 +8390,484 @@
           </a:p>
         </p:txBody>
       </p:sp>
+      <p:grpSp>
+        <p:nvGrpSpPr>
+          <p:cNvPr id="19" name="组合 18">
+            <a:extLst>
+              <a:ext uri="{FF2B5EF4-FFF2-40B4-BE49-F238E27FC236}">
+                <a16:creationId xmlns:a16="http://schemas.microsoft.com/office/drawing/2014/main" id="{BF5A6AC0-4980-4F59-815B-CB771ADB7B1A}"/>
+              </a:ext>
+            </a:extLst>
+          </p:cNvPr>
+          <p:cNvGrpSpPr/>
+          <p:nvPr/>
+        </p:nvGrpSpPr>
+        <p:grpSpPr>
+          <a:xfrm>
+            <a:off x="763040" y="2831647"/>
+            <a:ext cx="3689455" cy="1648918"/>
+            <a:chOff x="882545" y="2820027"/>
+            <a:chExt cx="3689455" cy="1648918"/>
+          </a:xfrm>
+        </p:grpSpPr>
+        <p:sp>
+          <p:nvSpPr>
+            <p:cNvPr id="12" name="矩形: 圆角 11">
+              <a:extLst>
+                <a:ext uri="{FF2B5EF4-FFF2-40B4-BE49-F238E27FC236}">
+                  <a16:creationId xmlns:a16="http://schemas.microsoft.com/office/drawing/2014/main" id="{A55BFD2F-5C8A-454E-A429-D900BB5FE1F5}"/>
+                </a:ext>
+              </a:extLst>
+            </p:cNvPr>
+            <p:cNvSpPr/>
+            <p:nvPr/>
+          </p:nvSpPr>
+          <p:spPr>
+            <a:xfrm>
+              <a:off x="882545" y="2820027"/>
+              <a:ext cx="3689455" cy="1648918"/>
+            </a:xfrm>
+            <a:prstGeom prst="roundRect">
+              <a:avLst/>
+            </a:prstGeom>
+            <a:solidFill>
+              <a:schemeClr val="accent4">
+                <a:lumMod val="40000"/>
+                <a:lumOff val="60000"/>
+              </a:schemeClr>
+            </a:solidFill>
+            <a:ln>
+              <a:noFill/>
+            </a:ln>
+          </p:spPr>
+          <p:style>
+            <a:lnRef idx="0">
+              <a:scrgbClr r="0" g="0" b="0"/>
+            </a:lnRef>
+            <a:fillRef idx="0">
+              <a:scrgbClr r="0" g="0" b="0"/>
+            </a:fillRef>
+            <a:effectRef idx="0">
+              <a:scrgbClr r="0" g="0" b="0"/>
+            </a:effectRef>
+            <a:fontRef idx="minor">
+              <a:schemeClr val="lt1"/>
+            </a:fontRef>
+          </p:style>
+          <p:txBody>
+            <a:bodyPr rtlCol="0" anchor="ctr"/>
+            <a:lstStyle/>
+            <a:p>
+              <a:r>
+                <a:rPr lang="en-US" altLang="zh-CN" dirty="0"/>
+                <a:t>Node</a:t>
+              </a:r>
+              <a:endParaRPr lang="zh-CN" altLang="en-US" dirty="0"/>
+            </a:p>
+          </p:txBody>
+        </p:sp>
+        <p:sp>
+          <p:nvSpPr>
+            <p:cNvPr id="15" name="矩形: 圆角 14">
+              <a:extLst>
+                <a:ext uri="{FF2B5EF4-FFF2-40B4-BE49-F238E27FC236}">
+                  <a16:creationId xmlns:a16="http://schemas.microsoft.com/office/drawing/2014/main" id="{3B309339-AEAF-40AD-8B4E-3BDB7D370E30}"/>
+                </a:ext>
+              </a:extLst>
+            </p:cNvPr>
+            <p:cNvSpPr/>
+            <p:nvPr/>
+          </p:nvSpPr>
+          <p:spPr>
+            <a:xfrm>
+              <a:off x="1740214" y="3730677"/>
+              <a:ext cx="2642534" cy="457200"/>
+            </a:xfrm>
+            <a:prstGeom prst="roundRect">
+              <a:avLst/>
+            </a:prstGeom>
+            <a:solidFill>
+              <a:schemeClr val="accent5"/>
+            </a:solidFill>
+            <a:ln>
+              <a:noFill/>
+            </a:ln>
+          </p:spPr>
+          <p:style>
+            <a:lnRef idx="0">
+              <a:scrgbClr r="0" g="0" b="0"/>
+            </a:lnRef>
+            <a:fillRef idx="0">
+              <a:scrgbClr r="0" g="0" b="0"/>
+            </a:fillRef>
+            <a:effectRef idx="0">
+              <a:scrgbClr r="0" g="0" b="0"/>
+            </a:effectRef>
+            <a:fontRef idx="minor">
+              <a:schemeClr val="lt1"/>
+            </a:fontRef>
+          </p:style>
+          <p:txBody>
+            <a:bodyPr rtlCol="0" anchor="ctr"/>
+            <a:lstStyle/>
+            <a:p>
+              <a:pPr algn="ctr"/>
+              <a:r>
+                <a:rPr lang="en-US" altLang="zh-CN" sz="1600" dirty="0"/>
+                <a:t>Pod</a:t>
+              </a:r>
+              <a:endParaRPr lang="zh-CN" altLang="en-US" sz="1600" dirty="0"/>
+            </a:p>
+          </p:txBody>
+        </p:sp>
+        <p:sp>
+          <p:nvSpPr>
+            <p:cNvPr id="16" name="矩形: 圆角 15">
+              <a:extLst>
+                <a:ext uri="{FF2B5EF4-FFF2-40B4-BE49-F238E27FC236}">
+                  <a16:creationId xmlns:a16="http://schemas.microsoft.com/office/drawing/2014/main" id="{76C9AE85-3ECA-4EE0-A8C7-7DE88D91100E}"/>
+                </a:ext>
+              </a:extLst>
+            </p:cNvPr>
+            <p:cNvSpPr/>
+            <p:nvPr/>
+          </p:nvSpPr>
+          <p:spPr>
+            <a:xfrm>
+              <a:off x="1740214" y="2989574"/>
+              <a:ext cx="1056806" cy="408025"/>
+            </a:xfrm>
+            <a:prstGeom prst="roundRect">
+              <a:avLst/>
+            </a:prstGeom>
+            <a:solidFill>
+              <a:schemeClr val="accent5"/>
+            </a:solidFill>
+            <a:ln>
+              <a:noFill/>
+            </a:ln>
+          </p:spPr>
+          <p:style>
+            <a:lnRef idx="0">
+              <a:scrgbClr r="0" g="0" b="0"/>
+            </a:lnRef>
+            <a:fillRef idx="0">
+              <a:scrgbClr r="0" g="0" b="0"/>
+            </a:fillRef>
+            <a:effectRef idx="0">
+              <a:scrgbClr r="0" g="0" b="0"/>
+            </a:effectRef>
+            <a:fontRef idx="minor">
+              <a:schemeClr val="lt1"/>
+            </a:fontRef>
+          </p:style>
+          <p:txBody>
+            <a:bodyPr rtlCol="0" anchor="ctr"/>
+            <a:lstStyle/>
+            <a:p>
+              <a:pPr algn="ctr"/>
+              <a:r>
+                <a:rPr lang="en-US" altLang="zh-CN" sz="1600" dirty="0" err="1"/>
+                <a:t>Kubelet</a:t>
+              </a:r>
+              <a:endParaRPr lang="zh-CN" altLang="en-US" sz="1600" dirty="0"/>
+            </a:p>
+          </p:txBody>
+        </p:sp>
+        <p:sp>
+          <p:nvSpPr>
+            <p:cNvPr id="17" name="矩形: 圆角 16">
+              <a:extLst>
+                <a:ext uri="{FF2B5EF4-FFF2-40B4-BE49-F238E27FC236}">
+                  <a16:creationId xmlns:a16="http://schemas.microsoft.com/office/drawing/2014/main" id="{C3CBD74D-2BC9-40D9-96A2-1FFCFC0F492C}"/>
+                </a:ext>
+              </a:extLst>
+            </p:cNvPr>
+            <p:cNvSpPr/>
+            <p:nvPr/>
+          </p:nvSpPr>
+          <p:spPr>
+            <a:xfrm>
+              <a:off x="2925892" y="2979004"/>
+              <a:ext cx="1456856" cy="457200"/>
+            </a:xfrm>
+            <a:prstGeom prst="roundRect">
+              <a:avLst/>
+            </a:prstGeom>
+            <a:solidFill>
+              <a:schemeClr val="accent5"/>
+            </a:solidFill>
+            <a:ln>
+              <a:noFill/>
+            </a:ln>
+          </p:spPr>
+          <p:style>
+            <a:lnRef idx="0">
+              <a:scrgbClr r="0" g="0" b="0"/>
+            </a:lnRef>
+            <a:fillRef idx="0">
+              <a:scrgbClr r="0" g="0" b="0"/>
+            </a:fillRef>
+            <a:effectRef idx="0">
+              <a:scrgbClr r="0" g="0" b="0"/>
+            </a:effectRef>
+            <a:fontRef idx="minor">
+              <a:schemeClr val="lt1"/>
+            </a:fontRef>
+          </p:style>
+          <p:txBody>
+            <a:bodyPr rtlCol="0" anchor="ctr"/>
+            <a:lstStyle/>
+            <a:p>
+              <a:pPr algn="ctr"/>
+              <a:r>
+                <a:rPr lang="en-US" altLang="zh-CN" sz="1600" dirty="0" err="1"/>
+                <a:t>Kubelet-porxy</a:t>
+              </a:r>
+              <a:endParaRPr lang="zh-CN" altLang="en-US" sz="1600" dirty="0"/>
+            </a:p>
+          </p:txBody>
+        </p:sp>
+      </p:grpSp>
+      <p:grpSp>
+        <p:nvGrpSpPr>
+          <p:cNvPr id="20" name="组合 19">
+            <a:extLst>
+              <a:ext uri="{FF2B5EF4-FFF2-40B4-BE49-F238E27FC236}">
+                <a16:creationId xmlns:a16="http://schemas.microsoft.com/office/drawing/2014/main" id="{0E3468C7-BC50-46A3-A05C-7E9B08AFDB82}"/>
+              </a:ext>
+            </a:extLst>
+          </p:cNvPr>
+          <p:cNvGrpSpPr/>
+          <p:nvPr/>
+        </p:nvGrpSpPr>
+        <p:grpSpPr>
+          <a:xfrm>
+            <a:off x="4539851" y="2818533"/>
+            <a:ext cx="3689455" cy="1648918"/>
+            <a:chOff x="882545" y="2820027"/>
+            <a:chExt cx="3689455" cy="1648918"/>
+          </a:xfrm>
+        </p:grpSpPr>
+        <p:sp>
+          <p:nvSpPr>
+            <p:cNvPr id="21" name="矩形: 圆角 20">
+              <a:extLst>
+                <a:ext uri="{FF2B5EF4-FFF2-40B4-BE49-F238E27FC236}">
+                  <a16:creationId xmlns:a16="http://schemas.microsoft.com/office/drawing/2014/main" id="{70C929A3-D6F8-4734-BAA2-3E5B9E8F2A28}"/>
+                </a:ext>
+              </a:extLst>
+            </p:cNvPr>
+            <p:cNvSpPr/>
+            <p:nvPr/>
+          </p:nvSpPr>
+          <p:spPr>
+            <a:xfrm>
+              <a:off x="882545" y="2820027"/>
+              <a:ext cx="3689455" cy="1648918"/>
+            </a:xfrm>
+            <a:prstGeom prst="roundRect">
+              <a:avLst/>
+            </a:prstGeom>
+            <a:solidFill>
+              <a:schemeClr val="accent4">
+                <a:lumMod val="40000"/>
+                <a:lumOff val="60000"/>
+              </a:schemeClr>
+            </a:solidFill>
+            <a:ln>
+              <a:noFill/>
+            </a:ln>
+          </p:spPr>
+          <p:style>
+            <a:lnRef idx="0">
+              <a:scrgbClr r="0" g="0" b="0"/>
+            </a:lnRef>
+            <a:fillRef idx="0">
+              <a:scrgbClr r="0" g="0" b="0"/>
+            </a:fillRef>
+            <a:effectRef idx="0">
+              <a:scrgbClr r="0" g="0" b="0"/>
+            </a:effectRef>
+            <a:fontRef idx="minor">
+              <a:schemeClr val="lt1"/>
+            </a:fontRef>
+          </p:style>
+          <p:txBody>
+            <a:bodyPr rtlCol="0" anchor="ctr"/>
+            <a:lstStyle/>
+            <a:p>
+              <a:r>
+                <a:rPr lang="en-US" altLang="zh-CN" dirty="0"/>
+                <a:t>Node</a:t>
+              </a:r>
+              <a:endParaRPr lang="zh-CN" altLang="en-US" dirty="0"/>
+            </a:p>
+          </p:txBody>
+        </p:sp>
+        <p:sp>
+          <p:nvSpPr>
+            <p:cNvPr id="22" name="矩形: 圆角 21">
+              <a:extLst>
+                <a:ext uri="{FF2B5EF4-FFF2-40B4-BE49-F238E27FC236}">
+                  <a16:creationId xmlns:a16="http://schemas.microsoft.com/office/drawing/2014/main" id="{2FE6DD31-1CFF-4592-A8B8-D674A7B0AB27}"/>
+                </a:ext>
+              </a:extLst>
+            </p:cNvPr>
+            <p:cNvSpPr/>
+            <p:nvPr/>
+          </p:nvSpPr>
+          <p:spPr>
+            <a:xfrm>
+              <a:off x="1740214" y="3730677"/>
+              <a:ext cx="2642534" cy="457200"/>
+            </a:xfrm>
+            <a:prstGeom prst="roundRect">
+              <a:avLst/>
+            </a:prstGeom>
+            <a:solidFill>
+              <a:schemeClr val="accent5"/>
+            </a:solidFill>
+            <a:ln>
+              <a:noFill/>
+            </a:ln>
+          </p:spPr>
+          <p:style>
+            <a:lnRef idx="0">
+              <a:scrgbClr r="0" g="0" b="0"/>
+            </a:lnRef>
+            <a:fillRef idx="0">
+              <a:scrgbClr r="0" g="0" b="0"/>
+            </a:fillRef>
+            <a:effectRef idx="0">
+              <a:scrgbClr r="0" g="0" b="0"/>
+            </a:effectRef>
+            <a:fontRef idx="minor">
+              <a:schemeClr val="lt1"/>
+            </a:fontRef>
+          </p:style>
+          <p:txBody>
+            <a:bodyPr rtlCol="0" anchor="ctr"/>
+            <a:lstStyle/>
+            <a:p>
+              <a:pPr algn="ctr"/>
+              <a:r>
+                <a:rPr lang="en-US" altLang="zh-CN" sz="1600" dirty="0"/>
+                <a:t>Pod</a:t>
+              </a:r>
+              <a:endParaRPr lang="zh-CN" altLang="en-US" sz="1600" dirty="0"/>
+            </a:p>
+          </p:txBody>
+        </p:sp>
+        <p:sp>
+          <p:nvSpPr>
+            <p:cNvPr id="23" name="矩形: 圆角 22">
+              <a:extLst>
+                <a:ext uri="{FF2B5EF4-FFF2-40B4-BE49-F238E27FC236}">
+                  <a16:creationId xmlns:a16="http://schemas.microsoft.com/office/drawing/2014/main" id="{8EAC69E6-E128-4CC6-9B27-E3D59F051B2D}"/>
+                </a:ext>
+              </a:extLst>
+            </p:cNvPr>
+            <p:cNvSpPr/>
+            <p:nvPr/>
+          </p:nvSpPr>
+          <p:spPr>
+            <a:xfrm>
+              <a:off x="1740214" y="2989574"/>
+              <a:ext cx="1056806" cy="408025"/>
+            </a:xfrm>
+            <a:prstGeom prst="roundRect">
+              <a:avLst/>
+            </a:prstGeom>
+            <a:solidFill>
+              <a:schemeClr val="accent5"/>
+            </a:solidFill>
+            <a:ln>
+              <a:noFill/>
+            </a:ln>
+          </p:spPr>
+          <p:style>
+            <a:lnRef idx="0">
+              <a:scrgbClr r="0" g="0" b="0"/>
+            </a:lnRef>
+            <a:fillRef idx="0">
+              <a:scrgbClr r="0" g="0" b="0"/>
+            </a:fillRef>
+            <a:effectRef idx="0">
+              <a:scrgbClr r="0" g="0" b="0"/>
+            </a:effectRef>
+            <a:fontRef idx="minor">
+              <a:schemeClr val="lt1"/>
+            </a:fontRef>
+          </p:style>
+          <p:txBody>
+            <a:bodyPr rtlCol="0" anchor="ctr"/>
+            <a:lstStyle/>
+            <a:p>
+              <a:pPr algn="ctr"/>
+              <a:r>
+                <a:rPr lang="en-US" altLang="zh-CN" sz="1600" dirty="0" err="1"/>
+                <a:t>Kubelet</a:t>
+              </a:r>
+              <a:endParaRPr lang="zh-CN" altLang="en-US" sz="1600" dirty="0"/>
+            </a:p>
+          </p:txBody>
+        </p:sp>
+        <p:sp>
+          <p:nvSpPr>
+            <p:cNvPr id="24" name="矩形: 圆角 23">
+              <a:extLst>
+                <a:ext uri="{FF2B5EF4-FFF2-40B4-BE49-F238E27FC236}">
+                  <a16:creationId xmlns:a16="http://schemas.microsoft.com/office/drawing/2014/main" id="{6FF937C0-185A-49D7-A610-0CDF5B1B9D1C}"/>
+                </a:ext>
+              </a:extLst>
+            </p:cNvPr>
+            <p:cNvSpPr/>
+            <p:nvPr/>
+          </p:nvSpPr>
+          <p:spPr>
+            <a:xfrm>
+              <a:off x="2925892" y="2979004"/>
+              <a:ext cx="1456856" cy="457200"/>
+            </a:xfrm>
+            <a:prstGeom prst="roundRect">
+              <a:avLst/>
+            </a:prstGeom>
+            <a:solidFill>
+              <a:schemeClr val="accent5"/>
+            </a:solidFill>
+            <a:ln>
+              <a:noFill/>
+            </a:ln>
+          </p:spPr>
+          <p:style>
+            <a:lnRef idx="0">
+              <a:scrgbClr r="0" g="0" b="0"/>
+            </a:lnRef>
+            <a:fillRef idx="0">
+              <a:scrgbClr r="0" g="0" b="0"/>
+            </a:fillRef>
+            <a:effectRef idx="0">
+              <a:scrgbClr r="0" g="0" b="0"/>
+            </a:effectRef>
+            <a:fontRef idx="minor">
+              <a:schemeClr val="lt1"/>
+            </a:fontRef>
+          </p:style>
+          <p:txBody>
+            <a:bodyPr rtlCol="0" anchor="ctr"/>
+            <a:lstStyle/>
+            <a:p>
+              <a:pPr algn="ctr"/>
+              <a:r>
+                <a:rPr lang="en-US" altLang="zh-CN" sz="1600" dirty="0" err="1"/>
+                <a:t>Kubelet-porxy</a:t>
+              </a:r>
+              <a:endParaRPr lang="zh-CN" altLang="en-US" sz="1600" dirty="0"/>
+            </a:p>
+          </p:txBody>
+        </p:sp>
+      </p:grpSp>
     </p:spTree>
     <p:extLst>
       <p:ext uri="{BB962C8B-B14F-4D97-AF65-F5344CB8AC3E}">
@@ -7574,6 +8882,1416 @@
 </file>
 
 <file path=ppt/slides/slide13.xml><?xml version="1.0" encoding="utf-8"?>
+<p:sld xmlns:a="http://schemas.openxmlformats.org/drawingml/2006/main" xmlns:r="http://schemas.openxmlformats.org/officeDocument/2006/relationships" xmlns:p="http://schemas.openxmlformats.org/presentationml/2006/main">
+  <p:cSld>
+    <p:spTree>
+      <p:nvGrpSpPr>
+        <p:cNvPr id="1" name=""/>
+        <p:cNvGrpSpPr/>
+        <p:nvPr/>
+      </p:nvGrpSpPr>
+      <p:grpSpPr>
+        <a:xfrm>
+          <a:off x="0" y="0"/>
+          <a:ext cx="0" cy="0"/>
+          <a:chOff x="0" y="0"/>
+          <a:chExt cx="0" cy="0"/>
+        </a:xfrm>
+      </p:grpSpPr>
+      <p:sp>
+        <p:nvSpPr>
+          <p:cNvPr id="2" name="文本占位符 1">
+            <a:extLst>
+              <a:ext uri="{FF2B5EF4-FFF2-40B4-BE49-F238E27FC236}">
+                <a16:creationId xmlns:a16="http://schemas.microsoft.com/office/drawing/2014/main" id="{45F89C5A-46C6-47AC-A695-8B14CBCA434C}"/>
+              </a:ext>
+            </a:extLst>
+          </p:cNvPr>
+          <p:cNvSpPr>
+            <a:spLocks noGrp="1"/>
+          </p:cNvSpPr>
+          <p:nvPr>
+            <p:ph type="body" sz="quarter" idx="13"/>
+          </p:nvPr>
+        </p:nvSpPr>
+        <p:spPr/>
+        <p:txBody>
+          <a:bodyPr/>
+          <a:lstStyle/>
+          <a:p>
+            <a:r>
+              <a:rPr lang="en-US" altLang="zh-CN" dirty="0"/>
+              <a:t>ETCD</a:t>
+            </a:r>
+            <a:endParaRPr lang="zh-CN" altLang="en-US" dirty="0"/>
+          </a:p>
+        </p:txBody>
+      </p:sp>
+      <p:sp>
+        <p:nvSpPr>
+          <p:cNvPr id="4" name="矩形: 圆角 3">
+            <a:extLst>
+              <a:ext uri="{FF2B5EF4-FFF2-40B4-BE49-F238E27FC236}">
+                <a16:creationId xmlns:a16="http://schemas.microsoft.com/office/drawing/2014/main" id="{1ABD189E-717C-4C66-BE18-BD3CBE26D3F4}"/>
+              </a:ext>
+            </a:extLst>
+          </p:cNvPr>
+          <p:cNvSpPr/>
+          <p:nvPr/>
+        </p:nvSpPr>
+        <p:spPr>
+          <a:xfrm>
+            <a:off x="384958" y="1311639"/>
+            <a:ext cx="8242540" cy="3440243"/>
+          </a:xfrm>
+          <a:prstGeom prst="roundRect">
+            <a:avLst/>
+          </a:prstGeom>
+          <a:solidFill>
+            <a:schemeClr val="accent3">
+              <a:lumMod val="20000"/>
+              <a:lumOff val="80000"/>
+            </a:schemeClr>
+          </a:solidFill>
+          <a:ln>
+            <a:noFill/>
+          </a:ln>
+        </p:spPr>
+        <p:style>
+          <a:lnRef idx="0">
+            <a:scrgbClr r="0" g="0" b="0"/>
+          </a:lnRef>
+          <a:fillRef idx="0">
+            <a:scrgbClr r="0" g="0" b="0"/>
+          </a:fillRef>
+          <a:effectRef idx="0">
+            <a:scrgbClr r="0" g="0" b="0"/>
+          </a:effectRef>
+          <a:fontRef idx="minor">
+            <a:schemeClr val="lt1"/>
+          </a:fontRef>
+        </p:style>
+        <p:txBody>
+          <a:bodyPr rtlCol="0" anchor="ctr"/>
+          <a:lstStyle/>
+          <a:p>
+            <a:pPr algn="ctr"/>
+            <a:endParaRPr lang="zh-CN" altLang="en-US"/>
+          </a:p>
+        </p:txBody>
+      </p:sp>
+      <p:sp>
+        <p:nvSpPr>
+          <p:cNvPr id="5" name="矩形: 圆角 4">
+            <a:extLst>
+              <a:ext uri="{FF2B5EF4-FFF2-40B4-BE49-F238E27FC236}">
+                <a16:creationId xmlns:a16="http://schemas.microsoft.com/office/drawing/2014/main" id="{F229F5E8-1F51-4B35-A090-F3F393C2F5A6}"/>
+              </a:ext>
+            </a:extLst>
+          </p:cNvPr>
+          <p:cNvSpPr/>
+          <p:nvPr/>
+        </p:nvSpPr>
+        <p:spPr>
+          <a:xfrm>
+            <a:off x="1019331" y="1499016"/>
+            <a:ext cx="6820525" cy="629587"/>
+          </a:xfrm>
+          <a:prstGeom prst="roundRect">
+            <a:avLst/>
+          </a:prstGeom>
+          <a:solidFill>
+            <a:schemeClr val="accent5"/>
+          </a:solidFill>
+          <a:ln>
+            <a:noFill/>
+          </a:ln>
+        </p:spPr>
+        <p:style>
+          <a:lnRef idx="0">
+            <a:scrgbClr r="0" g="0" b="0"/>
+          </a:lnRef>
+          <a:fillRef idx="0">
+            <a:scrgbClr r="0" g="0" b="0"/>
+          </a:fillRef>
+          <a:effectRef idx="0">
+            <a:scrgbClr r="0" g="0" b="0"/>
+          </a:effectRef>
+          <a:fontRef idx="minor">
+            <a:schemeClr val="lt1"/>
+          </a:fontRef>
+        </p:style>
+        <p:txBody>
+          <a:bodyPr rtlCol="0" anchor="ctr"/>
+          <a:lstStyle/>
+          <a:p>
+            <a:pPr algn="ctr"/>
+            <a:r>
+              <a:rPr lang="en-US" altLang="zh-CN" dirty="0"/>
+              <a:t>HTTP Server</a:t>
+            </a:r>
+            <a:endParaRPr lang="zh-CN" altLang="en-US" dirty="0"/>
+          </a:p>
+        </p:txBody>
+      </p:sp>
+      <p:sp>
+        <p:nvSpPr>
+          <p:cNvPr id="6" name="矩形: 圆角 5">
+            <a:extLst>
+              <a:ext uri="{FF2B5EF4-FFF2-40B4-BE49-F238E27FC236}">
+                <a16:creationId xmlns:a16="http://schemas.microsoft.com/office/drawing/2014/main" id="{CA1C8F7E-2B62-44E7-ADEA-B65AEA754811}"/>
+              </a:ext>
+            </a:extLst>
+          </p:cNvPr>
+          <p:cNvSpPr/>
+          <p:nvPr/>
+        </p:nvSpPr>
+        <p:spPr>
+          <a:xfrm>
+            <a:off x="1019331" y="2362494"/>
+            <a:ext cx="1761344" cy="400988"/>
+          </a:xfrm>
+          <a:prstGeom prst="roundRect">
+            <a:avLst/>
+          </a:prstGeom>
+          <a:solidFill>
+            <a:schemeClr val="accent5"/>
+          </a:solidFill>
+          <a:ln>
+            <a:noFill/>
+          </a:ln>
+        </p:spPr>
+        <p:style>
+          <a:lnRef idx="0">
+            <a:scrgbClr r="0" g="0" b="0"/>
+          </a:lnRef>
+          <a:fillRef idx="0">
+            <a:scrgbClr r="0" g="0" b="0"/>
+          </a:fillRef>
+          <a:effectRef idx="0">
+            <a:scrgbClr r="0" g="0" b="0"/>
+          </a:effectRef>
+          <a:fontRef idx="minor">
+            <a:schemeClr val="lt1"/>
+          </a:fontRef>
+        </p:style>
+        <p:txBody>
+          <a:bodyPr rtlCol="0" anchor="ctr"/>
+          <a:lstStyle/>
+          <a:p>
+            <a:pPr algn="ctr"/>
+            <a:r>
+              <a:rPr lang="en-US" altLang="zh-CN" dirty="0"/>
+              <a:t>Raft</a:t>
+            </a:r>
+            <a:endParaRPr lang="zh-CN" altLang="en-US" dirty="0"/>
+          </a:p>
+        </p:txBody>
+      </p:sp>
+      <p:sp>
+        <p:nvSpPr>
+          <p:cNvPr id="7" name="矩形: 圆角 6">
+            <a:extLst>
+              <a:ext uri="{FF2B5EF4-FFF2-40B4-BE49-F238E27FC236}">
+                <a16:creationId xmlns:a16="http://schemas.microsoft.com/office/drawing/2014/main" id="{B6687032-04F4-4D60-A535-2570CBD22824}"/>
+              </a:ext>
+            </a:extLst>
+          </p:cNvPr>
+          <p:cNvSpPr/>
+          <p:nvPr/>
+        </p:nvSpPr>
+        <p:spPr>
+          <a:xfrm>
+            <a:off x="1019329" y="2978634"/>
+            <a:ext cx="1761344" cy="1593365"/>
+          </a:xfrm>
+          <a:prstGeom prst="roundRect">
+            <a:avLst/>
+          </a:prstGeom>
+          <a:solidFill>
+            <a:schemeClr val="accent2">
+              <a:lumMod val="20000"/>
+              <a:lumOff val="80000"/>
+            </a:schemeClr>
+          </a:solidFill>
+          <a:ln>
+            <a:noFill/>
+          </a:ln>
+        </p:spPr>
+        <p:style>
+          <a:lnRef idx="0">
+            <a:scrgbClr r="0" g="0" b="0"/>
+          </a:lnRef>
+          <a:fillRef idx="0">
+            <a:scrgbClr r="0" g="0" b="0"/>
+          </a:fillRef>
+          <a:effectRef idx="0">
+            <a:scrgbClr r="0" g="0" b="0"/>
+          </a:effectRef>
+          <a:fontRef idx="minor">
+            <a:schemeClr val="lt1"/>
+          </a:fontRef>
+        </p:style>
+        <p:txBody>
+          <a:bodyPr rtlCol="0" anchor="t"/>
+          <a:lstStyle/>
+          <a:p>
+            <a:pPr algn="ctr"/>
+            <a:r>
+              <a:rPr lang="en-US" altLang="zh-CN" dirty="0"/>
+              <a:t>WAL</a:t>
+            </a:r>
+            <a:endParaRPr lang="zh-CN" altLang="en-US" dirty="0"/>
+          </a:p>
+        </p:txBody>
+      </p:sp>
+      <p:sp>
+        <p:nvSpPr>
+          <p:cNvPr id="8" name="矩形: 圆角 7">
+            <a:extLst>
+              <a:ext uri="{FF2B5EF4-FFF2-40B4-BE49-F238E27FC236}">
+                <a16:creationId xmlns:a16="http://schemas.microsoft.com/office/drawing/2014/main" id="{E41466F0-9D1F-4F2E-A649-DADA34400C90}"/>
+              </a:ext>
+            </a:extLst>
+          </p:cNvPr>
+          <p:cNvSpPr/>
+          <p:nvPr/>
+        </p:nvSpPr>
+        <p:spPr>
+          <a:xfrm>
+            <a:off x="1319555" y="3418641"/>
+            <a:ext cx="1160892" cy="389744"/>
+          </a:xfrm>
+          <a:prstGeom prst="roundRect">
+            <a:avLst/>
+          </a:prstGeom>
+          <a:solidFill>
+            <a:schemeClr val="accent5"/>
+          </a:solidFill>
+          <a:ln>
+            <a:noFill/>
+          </a:ln>
+        </p:spPr>
+        <p:style>
+          <a:lnRef idx="0">
+            <a:scrgbClr r="0" g="0" b="0"/>
+          </a:lnRef>
+          <a:fillRef idx="0">
+            <a:scrgbClr r="0" g="0" b="0"/>
+          </a:fillRef>
+          <a:effectRef idx="0">
+            <a:scrgbClr r="0" g="0" b="0"/>
+          </a:effectRef>
+          <a:fontRef idx="minor">
+            <a:schemeClr val="lt1"/>
+          </a:fontRef>
+        </p:style>
+        <p:txBody>
+          <a:bodyPr rtlCol="0" anchor="ctr"/>
+          <a:lstStyle/>
+          <a:p>
+            <a:pPr algn="ctr"/>
+            <a:r>
+              <a:rPr lang="en-US" altLang="zh-CN" dirty="0"/>
+              <a:t>Entry</a:t>
+            </a:r>
+            <a:endParaRPr lang="zh-CN" altLang="en-US" dirty="0"/>
+          </a:p>
+        </p:txBody>
+      </p:sp>
+      <p:sp>
+        <p:nvSpPr>
+          <p:cNvPr id="9" name="矩形: 圆角 8">
+            <a:extLst>
+              <a:ext uri="{FF2B5EF4-FFF2-40B4-BE49-F238E27FC236}">
+                <a16:creationId xmlns:a16="http://schemas.microsoft.com/office/drawing/2014/main" id="{9C388D9C-3FA5-45B4-8166-D0D5B3046AE8}"/>
+              </a:ext>
+            </a:extLst>
+          </p:cNvPr>
+          <p:cNvSpPr/>
+          <p:nvPr/>
+        </p:nvSpPr>
+        <p:spPr>
+          <a:xfrm>
+            <a:off x="1319554" y="3858648"/>
+            <a:ext cx="1160891" cy="389744"/>
+          </a:xfrm>
+          <a:prstGeom prst="roundRect">
+            <a:avLst/>
+          </a:prstGeom>
+          <a:solidFill>
+            <a:schemeClr val="accent5"/>
+          </a:solidFill>
+          <a:ln>
+            <a:noFill/>
+          </a:ln>
+        </p:spPr>
+        <p:style>
+          <a:lnRef idx="0">
+            <a:scrgbClr r="0" g="0" b="0"/>
+          </a:lnRef>
+          <a:fillRef idx="0">
+            <a:scrgbClr r="0" g="0" b="0"/>
+          </a:fillRef>
+          <a:effectRef idx="0">
+            <a:scrgbClr r="0" g="0" b="0"/>
+          </a:effectRef>
+          <a:fontRef idx="minor">
+            <a:schemeClr val="lt1"/>
+          </a:fontRef>
+        </p:style>
+        <p:txBody>
+          <a:bodyPr rtlCol="0" anchor="ctr"/>
+          <a:lstStyle/>
+          <a:p>
+            <a:pPr algn="ctr"/>
+            <a:r>
+              <a:rPr lang="en-US" altLang="zh-CN" dirty="0"/>
+              <a:t>Snapshot</a:t>
+            </a:r>
+            <a:endParaRPr lang="zh-CN" altLang="en-US" dirty="0"/>
+          </a:p>
+        </p:txBody>
+      </p:sp>
+      <p:sp>
+        <p:nvSpPr>
+          <p:cNvPr id="10" name="矩形: 圆角 9">
+            <a:extLst>
+              <a:ext uri="{FF2B5EF4-FFF2-40B4-BE49-F238E27FC236}">
+                <a16:creationId xmlns:a16="http://schemas.microsoft.com/office/drawing/2014/main" id="{148FAF6D-8ED6-44EF-89B1-0A1C7F021FCE}"/>
+              </a:ext>
+            </a:extLst>
+          </p:cNvPr>
+          <p:cNvSpPr/>
+          <p:nvPr/>
+        </p:nvSpPr>
+        <p:spPr>
+          <a:xfrm>
+            <a:off x="4189751" y="2443397"/>
+            <a:ext cx="3650105" cy="2128603"/>
+          </a:xfrm>
+          <a:prstGeom prst="roundRect">
+            <a:avLst/>
+          </a:prstGeom>
+          <a:solidFill>
+            <a:schemeClr val="accent5"/>
+          </a:solidFill>
+          <a:ln>
+            <a:noFill/>
+          </a:ln>
+        </p:spPr>
+        <p:style>
+          <a:lnRef idx="0">
+            <a:scrgbClr r="0" g="0" b="0"/>
+          </a:lnRef>
+          <a:fillRef idx="0">
+            <a:scrgbClr r="0" g="0" b="0"/>
+          </a:fillRef>
+          <a:effectRef idx="0">
+            <a:scrgbClr r="0" g="0" b="0"/>
+          </a:effectRef>
+          <a:fontRef idx="minor">
+            <a:schemeClr val="lt1"/>
+          </a:fontRef>
+        </p:style>
+        <p:txBody>
+          <a:bodyPr rtlCol="0" anchor="ctr"/>
+          <a:lstStyle/>
+          <a:p>
+            <a:pPr algn="ctr"/>
+            <a:r>
+              <a:rPr lang="en-US" altLang="zh-CN" dirty="0"/>
+              <a:t>Store</a:t>
+            </a:r>
+            <a:endParaRPr lang="zh-CN" altLang="en-US" dirty="0"/>
+          </a:p>
+        </p:txBody>
+      </p:sp>
+    </p:spTree>
+    <p:extLst>
+      <p:ext uri="{BB962C8B-B14F-4D97-AF65-F5344CB8AC3E}">
+        <p14:creationId xmlns:p14="http://schemas.microsoft.com/office/powerpoint/2010/main" val="2341068424"/>
+      </p:ext>
+    </p:extLst>
+  </p:cSld>
+  <p:clrMapOvr>
+    <a:masterClrMapping/>
+  </p:clrMapOvr>
+</p:sld>
+</file>
+
+<file path=ppt/slides/slide14.xml><?xml version="1.0" encoding="utf-8"?>
+<p:sld xmlns:a="http://schemas.openxmlformats.org/drawingml/2006/main" xmlns:r="http://schemas.openxmlformats.org/officeDocument/2006/relationships" xmlns:p="http://schemas.openxmlformats.org/presentationml/2006/main">
+  <p:cSld>
+    <p:spTree>
+      <p:nvGrpSpPr>
+        <p:cNvPr id="1" name=""/>
+        <p:cNvGrpSpPr/>
+        <p:nvPr/>
+      </p:nvGrpSpPr>
+      <p:grpSpPr>
+        <a:xfrm>
+          <a:off x="0" y="0"/>
+          <a:ext cx="0" cy="0"/>
+          <a:chOff x="0" y="0"/>
+          <a:chExt cx="0" cy="0"/>
+        </a:xfrm>
+      </p:grpSpPr>
+      <p:sp>
+        <p:nvSpPr>
+          <p:cNvPr id="2" name="文本占位符 1">
+            <a:extLst>
+              <a:ext uri="{FF2B5EF4-FFF2-40B4-BE49-F238E27FC236}">
+                <a16:creationId xmlns:a16="http://schemas.microsoft.com/office/drawing/2014/main" id="{4929355F-1412-47B7-ACDD-9C8A7D225D8E}"/>
+              </a:ext>
+            </a:extLst>
+          </p:cNvPr>
+          <p:cNvSpPr>
+            <a:spLocks noGrp="1"/>
+          </p:cNvSpPr>
+          <p:nvPr>
+            <p:ph type="body" sz="quarter" idx="13"/>
+          </p:nvPr>
+        </p:nvSpPr>
+        <p:spPr/>
+        <p:txBody>
+          <a:bodyPr/>
+          <a:lstStyle/>
+          <a:p>
+            <a:r>
+              <a:rPr lang="en-US" altLang="zh-CN" dirty="0"/>
+              <a:t>Node</a:t>
+            </a:r>
+            <a:endParaRPr lang="zh-CN" altLang="en-US" dirty="0"/>
+          </a:p>
+        </p:txBody>
+      </p:sp>
+      <p:sp>
+        <p:nvSpPr>
+          <p:cNvPr id="4" name="矩形: 圆角 3">
+            <a:extLst>
+              <a:ext uri="{FF2B5EF4-FFF2-40B4-BE49-F238E27FC236}">
+                <a16:creationId xmlns:a16="http://schemas.microsoft.com/office/drawing/2014/main" id="{994A4556-7211-46C0-BF07-AEA37B1550AB}"/>
+              </a:ext>
+            </a:extLst>
+          </p:cNvPr>
+          <p:cNvSpPr/>
+          <p:nvPr/>
+        </p:nvSpPr>
+        <p:spPr>
+          <a:xfrm>
+            <a:off x="592111" y="1371600"/>
+            <a:ext cx="8102184" cy="3335311"/>
+          </a:xfrm>
+          <a:prstGeom prst="roundRect">
+            <a:avLst/>
+          </a:prstGeom>
+          <a:solidFill>
+            <a:schemeClr val="accent3">
+              <a:lumMod val="20000"/>
+              <a:lumOff val="80000"/>
+            </a:schemeClr>
+          </a:solidFill>
+          <a:ln>
+            <a:noFill/>
+          </a:ln>
+        </p:spPr>
+        <p:style>
+          <a:lnRef idx="0">
+            <a:scrgbClr r="0" g="0" b="0"/>
+          </a:lnRef>
+          <a:fillRef idx="0">
+            <a:scrgbClr r="0" g="0" b="0"/>
+          </a:fillRef>
+          <a:effectRef idx="0">
+            <a:scrgbClr r="0" g="0" b="0"/>
+          </a:effectRef>
+          <a:fontRef idx="minor">
+            <a:schemeClr val="lt1"/>
+          </a:fontRef>
+        </p:style>
+        <p:txBody>
+          <a:bodyPr rtlCol="0" anchor="ctr"/>
+          <a:lstStyle/>
+          <a:p>
+            <a:pPr algn="ctr"/>
+            <a:endParaRPr lang="zh-CN" altLang="en-US"/>
+          </a:p>
+        </p:txBody>
+      </p:sp>
+      <p:sp>
+        <p:nvSpPr>
+          <p:cNvPr id="5" name="矩形: 圆角 4">
+            <a:extLst>
+              <a:ext uri="{FF2B5EF4-FFF2-40B4-BE49-F238E27FC236}">
+                <a16:creationId xmlns:a16="http://schemas.microsoft.com/office/drawing/2014/main" id="{79F7EB87-2604-4524-8B8C-7C3D8CE71D74}"/>
+              </a:ext>
+            </a:extLst>
+          </p:cNvPr>
+          <p:cNvSpPr/>
+          <p:nvPr/>
+        </p:nvSpPr>
+        <p:spPr>
+          <a:xfrm>
+            <a:off x="1266669" y="1770011"/>
+            <a:ext cx="2128603" cy="653009"/>
+          </a:xfrm>
+          <a:prstGeom prst="roundRect">
+            <a:avLst/>
+          </a:prstGeom>
+          <a:solidFill>
+            <a:schemeClr val="accent5"/>
+          </a:solidFill>
+          <a:ln>
+            <a:noFill/>
+          </a:ln>
+        </p:spPr>
+        <p:style>
+          <a:lnRef idx="0">
+            <a:scrgbClr r="0" g="0" b="0"/>
+          </a:lnRef>
+          <a:fillRef idx="0">
+            <a:scrgbClr r="0" g="0" b="0"/>
+          </a:fillRef>
+          <a:effectRef idx="0">
+            <a:scrgbClr r="0" g="0" b="0"/>
+          </a:effectRef>
+          <a:fontRef idx="minor">
+            <a:schemeClr val="lt1"/>
+          </a:fontRef>
+        </p:style>
+        <p:txBody>
+          <a:bodyPr rtlCol="0" anchor="ctr"/>
+          <a:lstStyle/>
+          <a:p>
+            <a:pPr algn="ctr"/>
+            <a:r>
+              <a:rPr lang="en-US" altLang="zh-CN" dirty="0" err="1"/>
+              <a:t>kubelet</a:t>
+            </a:r>
+            <a:endParaRPr lang="zh-CN" altLang="en-US" dirty="0"/>
+          </a:p>
+        </p:txBody>
+      </p:sp>
+      <p:sp>
+        <p:nvSpPr>
+          <p:cNvPr id="6" name="矩形: 圆角 5">
+            <a:extLst>
+              <a:ext uri="{FF2B5EF4-FFF2-40B4-BE49-F238E27FC236}">
+                <a16:creationId xmlns:a16="http://schemas.microsoft.com/office/drawing/2014/main" id="{20E1D6C2-273E-49E3-8A76-29389417DA57}"/>
+              </a:ext>
+            </a:extLst>
+          </p:cNvPr>
+          <p:cNvSpPr/>
+          <p:nvPr/>
+        </p:nvSpPr>
+        <p:spPr>
+          <a:xfrm>
+            <a:off x="5119142" y="1669060"/>
+            <a:ext cx="3117954" cy="653009"/>
+          </a:xfrm>
+          <a:prstGeom prst="roundRect">
+            <a:avLst/>
+          </a:prstGeom>
+          <a:solidFill>
+            <a:schemeClr val="accent5"/>
+          </a:solidFill>
+          <a:ln>
+            <a:noFill/>
+          </a:ln>
+        </p:spPr>
+        <p:style>
+          <a:lnRef idx="0">
+            <a:scrgbClr r="0" g="0" b="0"/>
+          </a:lnRef>
+          <a:fillRef idx="0">
+            <a:scrgbClr r="0" g="0" b="0"/>
+          </a:fillRef>
+          <a:effectRef idx="0">
+            <a:scrgbClr r="0" g="0" b="0"/>
+          </a:effectRef>
+          <a:fontRef idx="minor">
+            <a:schemeClr val="lt1"/>
+          </a:fontRef>
+        </p:style>
+        <p:txBody>
+          <a:bodyPr rtlCol="0" anchor="ctr"/>
+          <a:lstStyle/>
+          <a:p>
+            <a:pPr algn="ctr"/>
+            <a:r>
+              <a:rPr lang="en-US" altLang="zh-CN" dirty="0" err="1"/>
+              <a:t>Kube_proxy</a:t>
+            </a:r>
+            <a:endParaRPr lang="zh-CN" altLang="en-US" dirty="0"/>
+          </a:p>
+        </p:txBody>
+      </p:sp>
+      <p:sp>
+        <p:nvSpPr>
+          <p:cNvPr id="9" name="矩形: 圆角 8">
+            <a:extLst>
+              <a:ext uri="{FF2B5EF4-FFF2-40B4-BE49-F238E27FC236}">
+                <a16:creationId xmlns:a16="http://schemas.microsoft.com/office/drawing/2014/main" id="{411764C0-A4A8-43A6-B70C-08308342A0A9}"/>
+              </a:ext>
+            </a:extLst>
+          </p:cNvPr>
+          <p:cNvSpPr/>
+          <p:nvPr/>
+        </p:nvSpPr>
+        <p:spPr>
+          <a:xfrm>
+            <a:off x="1266669" y="2821431"/>
+            <a:ext cx="6970427" cy="1663908"/>
+          </a:xfrm>
+          <a:prstGeom prst="roundRect">
+            <a:avLst/>
+          </a:prstGeom>
+          <a:solidFill>
+            <a:schemeClr val="accent5">
+              <a:lumMod val="40000"/>
+              <a:lumOff val="60000"/>
+            </a:schemeClr>
+          </a:solidFill>
+          <a:ln>
+            <a:noFill/>
+          </a:ln>
+        </p:spPr>
+        <p:style>
+          <a:lnRef idx="0">
+            <a:scrgbClr r="0" g="0" b="0"/>
+          </a:lnRef>
+          <a:fillRef idx="0">
+            <a:scrgbClr r="0" g="0" b="0"/>
+          </a:fillRef>
+          <a:effectRef idx="0">
+            <a:scrgbClr r="0" g="0" b="0"/>
+          </a:effectRef>
+          <a:fontRef idx="minor">
+            <a:schemeClr val="lt1"/>
+          </a:fontRef>
+        </p:style>
+        <p:txBody>
+          <a:bodyPr rtlCol="0" anchor="ctr"/>
+          <a:lstStyle/>
+          <a:p>
+            <a:r>
+              <a:rPr lang="en-US" altLang="zh-CN" dirty="0"/>
+              <a:t>POD</a:t>
+            </a:r>
+            <a:endParaRPr lang="zh-CN" altLang="en-US" dirty="0"/>
+          </a:p>
+        </p:txBody>
+      </p:sp>
+      <p:sp>
+        <p:nvSpPr>
+          <p:cNvPr id="10" name="矩形: 圆角 9">
+            <a:extLst>
+              <a:ext uri="{FF2B5EF4-FFF2-40B4-BE49-F238E27FC236}">
+                <a16:creationId xmlns:a16="http://schemas.microsoft.com/office/drawing/2014/main" id="{CC666DD4-265B-4E17-A0C2-2A37BDE02931}"/>
+              </a:ext>
+            </a:extLst>
+          </p:cNvPr>
+          <p:cNvSpPr/>
+          <p:nvPr/>
+        </p:nvSpPr>
+        <p:spPr>
+          <a:xfrm>
+            <a:off x="2315980" y="3282847"/>
+            <a:ext cx="1566472" cy="741076"/>
+          </a:xfrm>
+          <a:prstGeom prst="roundRect">
+            <a:avLst/>
+          </a:prstGeom>
+          <a:solidFill>
+            <a:schemeClr val="accent5"/>
+          </a:solidFill>
+          <a:ln>
+            <a:noFill/>
+          </a:ln>
+        </p:spPr>
+        <p:style>
+          <a:lnRef idx="0">
+            <a:scrgbClr r="0" g="0" b="0"/>
+          </a:lnRef>
+          <a:fillRef idx="0">
+            <a:scrgbClr r="0" g="0" b="0"/>
+          </a:fillRef>
+          <a:effectRef idx="0">
+            <a:scrgbClr r="0" g="0" b="0"/>
+          </a:effectRef>
+          <a:fontRef idx="minor">
+            <a:schemeClr val="lt1"/>
+          </a:fontRef>
+        </p:style>
+        <p:txBody>
+          <a:bodyPr rtlCol="0" anchor="ctr"/>
+          <a:lstStyle/>
+          <a:p>
+            <a:pPr algn="ctr"/>
+            <a:r>
+              <a:rPr lang="en-US" altLang="zh-CN" dirty="0"/>
+              <a:t>container</a:t>
+            </a:r>
+            <a:endParaRPr lang="zh-CN" altLang="en-US" dirty="0"/>
+          </a:p>
+        </p:txBody>
+      </p:sp>
+      <p:sp>
+        <p:nvSpPr>
+          <p:cNvPr id="11" name="矩形: 圆角 10">
+            <a:extLst>
+              <a:ext uri="{FF2B5EF4-FFF2-40B4-BE49-F238E27FC236}">
+                <a16:creationId xmlns:a16="http://schemas.microsoft.com/office/drawing/2014/main" id="{148129B8-3BD0-44BB-B46D-0C7E06D5C3FC}"/>
+              </a:ext>
+            </a:extLst>
+          </p:cNvPr>
+          <p:cNvSpPr/>
+          <p:nvPr/>
+        </p:nvSpPr>
+        <p:spPr>
+          <a:xfrm>
+            <a:off x="4751882" y="3282847"/>
+            <a:ext cx="2540833" cy="741076"/>
+          </a:xfrm>
+          <a:prstGeom prst="roundRect">
+            <a:avLst/>
+          </a:prstGeom>
+          <a:solidFill>
+            <a:schemeClr val="accent5"/>
+          </a:solidFill>
+          <a:ln>
+            <a:noFill/>
+          </a:ln>
+        </p:spPr>
+        <p:style>
+          <a:lnRef idx="0">
+            <a:scrgbClr r="0" g="0" b="0"/>
+          </a:lnRef>
+          <a:fillRef idx="0">
+            <a:scrgbClr r="0" g="0" b="0"/>
+          </a:fillRef>
+          <a:effectRef idx="0">
+            <a:scrgbClr r="0" g="0" b="0"/>
+          </a:effectRef>
+          <a:fontRef idx="minor">
+            <a:schemeClr val="lt1"/>
+          </a:fontRef>
+        </p:style>
+        <p:txBody>
+          <a:bodyPr rtlCol="0" anchor="ctr"/>
+          <a:lstStyle/>
+          <a:p>
+            <a:pPr algn="ctr"/>
+            <a:r>
+              <a:rPr lang="en-US" altLang="zh-CN" dirty="0"/>
+              <a:t>Docker</a:t>
+            </a:r>
+            <a:endParaRPr lang="zh-CN" altLang="en-US" dirty="0"/>
+          </a:p>
+        </p:txBody>
+      </p:sp>
+    </p:spTree>
+    <p:extLst>
+      <p:ext uri="{BB962C8B-B14F-4D97-AF65-F5344CB8AC3E}">
+        <p14:creationId xmlns:p14="http://schemas.microsoft.com/office/powerpoint/2010/main" val="2322943746"/>
+      </p:ext>
+    </p:extLst>
+  </p:cSld>
+  <p:clrMapOvr>
+    <a:masterClrMapping/>
+  </p:clrMapOvr>
+</p:sld>
+</file>
+
+<file path=ppt/slides/slide15.xml><?xml version="1.0" encoding="utf-8"?>
+<p:sld xmlns:a="http://schemas.openxmlformats.org/drawingml/2006/main" xmlns:r="http://schemas.openxmlformats.org/officeDocument/2006/relationships" xmlns:p="http://schemas.openxmlformats.org/presentationml/2006/main">
+  <p:cSld>
+    <p:spTree>
+      <p:nvGrpSpPr>
+        <p:cNvPr id="1" name=""/>
+        <p:cNvGrpSpPr/>
+        <p:nvPr/>
+      </p:nvGrpSpPr>
+      <p:grpSpPr>
+        <a:xfrm>
+          <a:off x="0" y="0"/>
+          <a:ext cx="0" cy="0"/>
+          <a:chOff x="0" y="0"/>
+          <a:chExt cx="0" cy="0"/>
+        </a:xfrm>
+      </p:grpSpPr>
+      <p:sp>
+        <p:nvSpPr>
+          <p:cNvPr id="2" name="文本占位符 1">
+            <a:extLst>
+              <a:ext uri="{FF2B5EF4-FFF2-40B4-BE49-F238E27FC236}">
+                <a16:creationId xmlns:a16="http://schemas.microsoft.com/office/drawing/2014/main" id="{0588A984-13D1-4E4C-8DF9-9F41471A2CEB}"/>
+              </a:ext>
+            </a:extLst>
+          </p:cNvPr>
+          <p:cNvSpPr>
+            <a:spLocks noGrp="1"/>
+          </p:cNvSpPr>
+          <p:nvPr>
+            <p:ph type="body" sz="quarter" idx="13"/>
+          </p:nvPr>
+        </p:nvSpPr>
+        <p:spPr/>
+        <p:txBody>
+          <a:bodyPr/>
+          <a:lstStyle/>
+          <a:p>
+            <a:r>
+              <a:rPr lang="en-US" altLang="zh-CN" dirty="0"/>
+              <a:t>Pod</a:t>
+            </a:r>
+            <a:endParaRPr lang="zh-CN" altLang="en-US" dirty="0"/>
+          </a:p>
+        </p:txBody>
+      </p:sp>
+      <p:sp>
+        <p:nvSpPr>
+          <p:cNvPr id="4" name="矩形: 圆角 3">
+            <a:extLst>
+              <a:ext uri="{FF2B5EF4-FFF2-40B4-BE49-F238E27FC236}">
+                <a16:creationId xmlns:a16="http://schemas.microsoft.com/office/drawing/2014/main" id="{16993860-880C-448D-AAA6-CAF98AA66109}"/>
+              </a:ext>
+            </a:extLst>
+          </p:cNvPr>
+          <p:cNvSpPr/>
+          <p:nvPr/>
+        </p:nvSpPr>
+        <p:spPr>
+          <a:xfrm>
+            <a:off x="532151" y="1259175"/>
+            <a:ext cx="8095346" cy="3380282"/>
+          </a:xfrm>
+          <a:prstGeom prst="roundRect">
+            <a:avLst/>
+          </a:prstGeom>
+          <a:solidFill>
+            <a:schemeClr val="accent3">
+              <a:lumMod val="20000"/>
+              <a:lumOff val="80000"/>
+            </a:schemeClr>
+          </a:solidFill>
+          <a:ln>
+            <a:noFill/>
+          </a:ln>
+        </p:spPr>
+        <p:style>
+          <a:lnRef idx="0">
+            <a:scrgbClr r="0" g="0" b="0"/>
+          </a:lnRef>
+          <a:fillRef idx="0">
+            <a:scrgbClr r="0" g="0" b="0"/>
+          </a:fillRef>
+          <a:effectRef idx="0">
+            <a:scrgbClr r="0" g="0" b="0"/>
+          </a:effectRef>
+          <a:fontRef idx="minor">
+            <a:schemeClr val="lt1"/>
+          </a:fontRef>
+        </p:style>
+        <p:txBody>
+          <a:bodyPr rtlCol="0" anchor="ctr"/>
+          <a:lstStyle/>
+          <a:p>
+            <a:pPr algn="ctr"/>
+            <a:endParaRPr lang="zh-CN" altLang="en-US"/>
+          </a:p>
+        </p:txBody>
+      </p:sp>
+      <p:sp>
+        <p:nvSpPr>
+          <p:cNvPr id="5" name="矩形: 圆角 4">
+            <a:extLst>
+              <a:ext uri="{FF2B5EF4-FFF2-40B4-BE49-F238E27FC236}">
+                <a16:creationId xmlns:a16="http://schemas.microsoft.com/office/drawing/2014/main" id="{DB60B88D-91E4-4374-8A82-879D1399B58C}"/>
+              </a:ext>
+            </a:extLst>
+          </p:cNvPr>
+          <p:cNvSpPr/>
+          <p:nvPr/>
+        </p:nvSpPr>
+        <p:spPr>
+          <a:xfrm>
+            <a:off x="1026825" y="1570219"/>
+            <a:ext cx="1641423" cy="2810656"/>
+          </a:xfrm>
+          <a:prstGeom prst="roundRect">
+            <a:avLst/>
+          </a:prstGeom>
+          <a:solidFill>
+            <a:schemeClr val="accent5">
+              <a:lumMod val="40000"/>
+              <a:lumOff val="60000"/>
+            </a:schemeClr>
+          </a:solidFill>
+          <a:ln>
+            <a:noFill/>
+          </a:ln>
+        </p:spPr>
+        <p:style>
+          <a:lnRef idx="0">
+            <a:scrgbClr r="0" g="0" b="0"/>
+          </a:lnRef>
+          <a:fillRef idx="0">
+            <a:scrgbClr r="0" g="0" b="0"/>
+          </a:fillRef>
+          <a:effectRef idx="0">
+            <a:scrgbClr r="0" g="0" b="0"/>
+          </a:effectRef>
+          <a:fontRef idx="minor">
+            <a:schemeClr val="lt1"/>
+          </a:fontRef>
+        </p:style>
+        <p:txBody>
+          <a:bodyPr rtlCol="0" anchor="ctr"/>
+          <a:lstStyle/>
+          <a:p>
+            <a:pPr algn="ctr"/>
+            <a:endParaRPr lang="zh-CN" altLang="en-US"/>
+          </a:p>
+        </p:txBody>
+      </p:sp>
+      <p:sp>
+        <p:nvSpPr>
+          <p:cNvPr id="6" name="矩形: 圆角 5">
+            <a:extLst>
+              <a:ext uri="{FF2B5EF4-FFF2-40B4-BE49-F238E27FC236}">
+                <a16:creationId xmlns:a16="http://schemas.microsoft.com/office/drawing/2014/main" id="{6A213695-9D2C-47DA-8449-D4EA08B0BE4B}"/>
+              </a:ext>
+            </a:extLst>
+          </p:cNvPr>
+          <p:cNvSpPr/>
+          <p:nvPr/>
+        </p:nvSpPr>
+        <p:spPr>
+          <a:xfrm>
+            <a:off x="1210455" y="2077075"/>
+            <a:ext cx="1274164" cy="344773"/>
+          </a:xfrm>
+          <a:prstGeom prst="roundRect">
+            <a:avLst/>
+          </a:prstGeom>
+          <a:solidFill>
+            <a:schemeClr val="accent5"/>
+          </a:solidFill>
+          <a:ln>
+            <a:noFill/>
+          </a:ln>
+        </p:spPr>
+        <p:style>
+          <a:lnRef idx="0">
+            <a:scrgbClr r="0" g="0" b="0"/>
+          </a:lnRef>
+          <a:fillRef idx="0">
+            <a:scrgbClr r="0" g="0" b="0"/>
+          </a:fillRef>
+          <a:effectRef idx="0">
+            <a:scrgbClr r="0" g="0" b="0"/>
+          </a:effectRef>
+          <a:fontRef idx="minor">
+            <a:schemeClr val="lt1"/>
+          </a:fontRef>
+        </p:style>
+        <p:txBody>
+          <a:bodyPr rtlCol="0" anchor="ctr"/>
+          <a:lstStyle/>
+          <a:p>
+            <a:pPr algn="ctr"/>
+            <a:r>
+              <a:rPr lang="zh-CN" altLang="en-US" dirty="0"/>
+              <a:t>自主式</a:t>
+            </a:r>
+            <a:r>
+              <a:rPr lang="en-US" altLang="zh-CN" dirty="0"/>
+              <a:t>Pod</a:t>
+            </a:r>
+            <a:endParaRPr lang="zh-CN" altLang="en-US" dirty="0"/>
+          </a:p>
+        </p:txBody>
+      </p:sp>
+      <p:sp>
+        <p:nvSpPr>
+          <p:cNvPr id="7" name="矩形: 圆角 6">
+            <a:extLst>
+              <a:ext uri="{FF2B5EF4-FFF2-40B4-BE49-F238E27FC236}">
+                <a16:creationId xmlns:a16="http://schemas.microsoft.com/office/drawing/2014/main" id="{89E159E3-0936-4560-AB46-954D250A1D0A}"/>
+              </a:ext>
+            </a:extLst>
+          </p:cNvPr>
+          <p:cNvSpPr/>
+          <p:nvPr/>
+        </p:nvSpPr>
+        <p:spPr>
+          <a:xfrm>
+            <a:off x="1210455" y="2894038"/>
+            <a:ext cx="1274164" cy="786047"/>
+          </a:xfrm>
+          <a:prstGeom prst="roundRect">
+            <a:avLst/>
+          </a:prstGeom>
+          <a:solidFill>
+            <a:schemeClr val="accent5"/>
+          </a:solidFill>
+          <a:ln>
+            <a:noFill/>
+          </a:ln>
+        </p:spPr>
+        <p:style>
+          <a:lnRef idx="0">
+            <a:scrgbClr r="0" g="0" b="0"/>
+          </a:lnRef>
+          <a:fillRef idx="0">
+            <a:scrgbClr r="0" g="0" b="0"/>
+          </a:fillRef>
+          <a:effectRef idx="0">
+            <a:scrgbClr r="0" g="0" b="0"/>
+          </a:effectRef>
+          <a:fontRef idx="minor">
+            <a:schemeClr val="lt1"/>
+          </a:fontRef>
+        </p:style>
+        <p:txBody>
+          <a:bodyPr rtlCol="0" anchor="ctr"/>
+          <a:lstStyle/>
+          <a:p>
+            <a:pPr algn="ctr"/>
+            <a:r>
+              <a:rPr lang="zh-CN" altLang="en-US" dirty="0"/>
+              <a:t>控制器管理的</a:t>
+            </a:r>
+            <a:r>
+              <a:rPr lang="en-US" altLang="zh-CN" dirty="0"/>
+              <a:t>Pod</a:t>
+            </a:r>
+            <a:endParaRPr lang="zh-CN" altLang="en-US" dirty="0"/>
+          </a:p>
+        </p:txBody>
+      </p:sp>
+      <p:sp>
+        <p:nvSpPr>
+          <p:cNvPr id="8" name="矩形: 圆角 7">
+            <a:extLst>
+              <a:ext uri="{FF2B5EF4-FFF2-40B4-BE49-F238E27FC236}">
+                <a16:creationId xmlns:a16="http://schemas.microsoft.com/office/drawing/2014/main" id="{E05D7555-D937-442D-B01C-1BEAC5A2237F}"/>
+              </a:ext>
+            </a:extLst>
+          </p:cNvPr>
+          <p:cNvSpPr/>
+          <p:nvPr/>
+        </p:nvSpPr>
+        <p:spPr>
+          <a:xfrm>
+            <a:off x="3327816" y="1570219"/>
+            <a:ext cx="4879299" cy="2810656"/>
+          </a:xfrm>
+          <a:prstGeom prst="roundRect">
+            <a:avLst/>
+          </a:prstGeom>
+          <a:solidFill>
+            <a:schemeClr val="accent1">
+              <a:lumMod val="20000"/>
+              <a:lumOff val="80000"/>
+            </a:schemeClr>
+          </a:solidFill>
+          <a:ln>
+            <a:noFill/>
+          </a:ln>
+        </p:spPr>
+        <p:style>
+          <a:lnRef idx="0">
+            <a:scrgbClr r="0" g="0" b="0"/>
+          </a:lnRef>
+          <a:fillRef idx="0">
+            <a:scrgbClr r="0" g="0" b="0"/>
+          </a:fillRef>
+          <a:effectRef idx="0">
+            <a:scrgbClr r="0" g="0" b="0"/>
+          </a:effectRef>
+          <a:fontRef idx="minor">
+            <a:schemeClr val="lt1"/>
+          </a:fontRef>
+        </p:style>
+        <p:txBody>
+          <a:bodyPr rtlCol="0" anchor="t"/>
+          <a:lstStyle/>
+          <a:p>
+            <a:pPr algn="ctr"/>
+            <a:r>
+              <a:rPr lang="en-US" altLang="zh-CN" dirty="0">
+                <a:solidFill>
+                  <a:srgbClr val="E9595C"/>
+                </a:solidFill>
+              </a:rPr>
+              <a:t>Pod</a:t>
+            </a:r>
+            <a:endParaRPr lang="zh-CN" altLang="en-US" dirty="0">
+              <a:solidFill>
+                <a:srgbClr val="E9595C"/>
+              </a:solidFill>
+            </a:endParaRPr>
+          </a:p>
+        </p:txBody>
+      </p:sp>
+      <p:sp>
+        <p:nvSpPr>
+          <p:cNvPr id="9" name="椭圆 8">
+            <a:extLst>
+              <a:ext uri="{FF2B5EF4-FFF2-40B4-BE49-F238E27FC236}">
+                <a16:creationId xmlns:a16="http://schemas.microsoft.com/office/drawing/2014/main" id="{E4FB76AB-6A44-402E-8313-30F37698BD96}"/>
+              </a:ext>
+            </a:extLst>
+          </p:cNvPr>
+          <p:cNvSpPr/>
+          <p:nvPr/>
+        </p:nvSpPr>
+        <p:spPr>
+          <a:xfrm>
+            <a:off x="4654446" y="3680085"/>
+            <a:ext cx="1821308" cy="352269"/>
+          </a:xfrm>
+          <a:prstGeom prst="ellipse">
+            <a:avLst/>
+          </a:prstGeom>
+          <a:solidFill>
+            <a:schemeClr val="accent5"/>
+          </a:solidFill>
+          <a:ln>
+            <a:noFill/>
+          </a:ln>
+        </p:spPr>
+        <p:style>
+          <a:lnRef idx="0">
+            <a:scrgbClr r="0" g="0" b="0"/>
+          </a:lnRef>
+          <a:fillRef idx="0">
+            <a:scrgbClr r="0" g="0" b="0"/>
+          </a:fillRef>
+          <a:effectRef idx="0">
+            <a:scrgbClr r="0" g="0" b="0"/>
+          </a:effectRef>
+          <a:fontRef idx="minor">
+            <a:schemeClr val="lt1"/>
+          </a:fontRef>
+        </p:style>
+        <p:txBody>
+          <a:bodyPr rtlCol="0" anchor="ctr"/>
+          <a:lstStyle/>
+          <a:p>
+            <a:pPr algn="ctr"/>
+            <a:r>
+              <a:rPr lang="en-US" altLang="zh-CN" dirty="0"/>
+              <a:t>pause</a:t>
+            </a:r>
+            <a:endParaRPr lang="zh-CN" altLang="en-US" dirty="0"/>
+          </a:p>
+        </p:txBody>
+      </p:sp>
+      <p:sp>
+        <p:nvSpPr>
+          <p:cNvPr id="13" name="矩形: 圆角 12">
+            <a:extLst>
+              <a:ext uri="{FF2B5EF4-FFF2-40B4-BE49-F238E27FC236}">
+                <a16:creationId xmlns:a16="http://schemas.microsoft.com/office/drawing/2014/main" id="{2DBBE2C8-06FE-4F01-A720-8E4A1C2912D5}"/>
+              </a:ext>
+            </a:extLst>
+          </p:cNvPr>
+          <p:cNvSpPr/>
+          <p:nvPr/>
+        </p:nvSpPr>
+        <p:spPr>
+          <a:xfrm>
+            <a:off x="3854154" y="2077074"/>
+            <a:ext cx="1304145" cy="681115"/>
+          </a:xfrm>
+          <a:prstGeom prst="roundRect">
+            <a:avLst/>
+          </a:prstGeom>
+          <a:solidFill>
+            <a:schemeClr val="accent5"/>
+          </a:solidFill>
+          <a:ln>
+            <a:noFill/>
+          </a:ln>
+        </p:spPr>
+        <p:style>
+          <a:lnRef idx="0">
+            <a:scrgbClr r="0" g="0" b="0"/>
+          </a:lnRef>
+          <a:fillRef idx="0">
+            <a:scrgbClr r="0" g="0" b="0"/>
+          </a:fillRef>
+          <a:effectRef idx="0">
+            <a:scrgbClr r="0" g="0" b="0"/>
+          </a:effectRef>
+          <a:fontRef idx="minor">
+            <a:schemeClr val="lt1"/>
+          </a:fontRef>
+        </p:style>
+        <p:txBody>
+          <a:bodyPr rtlCol="0" anchor="ctr"/>
+          <a:lstStyle/>
+          <a:p>
+            <a:pPr algn="ctr"/>
+            <a:r>
+              <a:rPr lang="en-US" altLang="zh-CN" dirty="0"/>
+              <a:t>C1</a:t>
+            </a:r>
+            <a:endParaRPr lang="zh-CN" altLang="en-US" dirty="0"/>
+          </a:p>
+        </p:txBody>
+      </p:sp>
+      <p:sp>
+        <p:nvSpPr>
+          <p:cNvPr id="14" name="矩形: 圆角 13">
+            <a:extLst>
+              <a:ext uri="{FF2B5EF4-FFF2-40B4-BE49-F238E27FC236}">
+                <a16:creationId xmlns:a16="http://schemas.microsoft.com/office/drawing/2014/main" id="{42A4293B-A31B-46C9-89F0-2F4BD7FAA501}"/>
+              </a:ext>
+            </a:extLst>
+          </p:cNvPr>
+          <p:cNvSpPr/>
+          <p:nvPr/>
+        </p:nvSpPr>
+        <p:spPr>
+          <a:xfrm>
+            <a:off x="6224668" y="2077074"/>
+            <a:ext cx="1379095" cy="681115"/>
+          </a:xfrm>
+          <a:prstGeom prst="roundRect">
+            <a:avLst/>
+          </a:prstGeom>
+          <a:solidFill>
+            <a:schemeClr val="accent5"/>
+          </a:solidFill>
+          <a:ln>
+            <a:noFill/>
+          </a:ln>
+        </p:spPr>
+        <p:style>
+          <a:lnRef idx="0">
+            <a:scrgbClr r="0" g="0" b="0"/>
+          </a:lnRef>
+          <a:fillRef idx="0">
+            <a:scrgbClr r="0" g="0" b="0"/>
+          </a:fillRef>
+          <a:effectRef idx="0">
+            <a:scrgbClr r="0" g="0" b="0"/>
+          </a:effectRef>
+          <a:fontRef idx="minor">
+            <a:schemeClr val="lt1"/>
+          </a:fontRef>
+        </p:style>
+        <p:txBody>
+          <a:bodyPr rtlCol="0" anchor="ctr"/>
+          <a:lstStyle/>
+          <a:p>
+            <a:pPr algn="ctr"/>
+            <a:r>
+              <a:rPr lang="en-US" altLang="zh-CN" dirty="0"/>
+              <a:t>C2</a:t>
+            </a:r>
+            <a:endParaRPr lang="zh-CN" altLang="en-US" dirty="0"/>
+          </a:p>
+        </p:txBody>
+      </p:sp>
+      <p:cxnSp>
+        <p:nvCxnSpPr>
+          <p:cNvPr id="16" name="直接连接符 15">
+            <a:extLst>
+              <a:ext uri="{FF2B5EF4-FFF2-40B4-BE49-F238E27FC236}">
+                <a16:creationId xmlns:a16="http://schemas.microsoft.com/office/drawing/2014/main" id="{3BBEE389-C5ED-4BA2-BD12-7E277D54B17C}"/>
+              </a:ext>
+            </a:extLst>
+          </p:cNvPr>
+          <p:cNvCxnSpPr>
+            <a:stCxn id="13" idx="2"/>
+            <a:endCxn id="9" idx="0"/>
+          </p:cNvCxnSpPr>
+          <p:nvPr/>
+        </p:nvCxnSpPr>
+        <p:spPr>
+          <a:xfrm>
+            <a:off x="4506227" y="2758189"/>
+            <a:ext cx="1058873" cy="921896"/>
+          </a:xfrm>
+          <a:prstGeom prst="line">
+            <a:avLst/>
+          </a:prstGeom>
+        </p:spPr>
+        <p:style>
+          <a:lnRef idx="2">
+            <a:schemeClr val="accent1"/>
+          </a:lnRef>
+          <a:fillRef idx="0">
+            <a:schemeClr val="accent1"/>
+          </a:fillRef>
+          <a:effectRef idx="1">
+            <a:schemeClr val="accent1"/>
+          </a:effectRef>
+          <a:fontRef idx="minor">
+            <a:schemeClr val="tx1"/>
+          </a:fontRef>
+        </p:style>
+      </p:cxnSp>
+      <p:cxnSp>
+        <p:nvCxnSpPr>
+          <p:cNvPr id="18" name="直接连接符 17">
+            <a:extLst>
+              <a:ext uri="{FF2B5EF4-FFF2-40B4-BE49-F238E27FC236}">
+                <a16:creationId xmlns:a16="http://schemas.microsoft.com/office/drawing/2014/main" id="{55B62E37-3645-46BB-912D-EB55714901D1}"/>
+              </a:ext>
+            </a:extLst>
+          </p:cNvPr>
+          <p:cNvCxnSpPr>
+            <a:cxnSpLocks/>
+            <a:stCxn id="14" idx="2"/>
+            <a:endCxn id="9" idx="0"/>
+          </p:cNvCxnSpPr>
+          <p:nvPr/>
+        </p:nvCxnSpPr>
+        <p:spPr>
+          <a:xfrm flipH="1">
+            <a:off x="5565100" y="2758189"/>
+            <a:ext cx="1349116" cy="921896"/>
+          </a:xfrm>
+          <a:prstGeom prst="line">
+            <a:avLst/>
+          </a:prstGeom>
+        </p:spPr>
+        <p:style>
+          <a:lnRef idx="2">
+            <a:schemeClr val="accent1"/>
+          </a:lnRef>
+          <a:fillRef idx="0">
+            <a:schemeClr val="accent1"/>
+          </a:fillRef>
+          <a:effectRef idx="1">
+            <a:schemeClr val="accent1"/>
+          </a:effectRef>
+          <a:fontRef idx="minor">
+            <a:schemeClr val="tx1"/>
+          </a:fontRef>
+        </p:style>
+      </p:cxnSp>
+    </p:spTree>
+    <p:extLst>
+      <p:ext uri="{BB962C8B-B14F-4D97-AF65-F5344CB8AC3E}">
+        <p14:creationId xmlns:p14="http://schemas.microsoft.com/office/powerpoint/2010/main" val="2725417932"/>
+      </p:ext>
+    </p:extLst>
+  </p:cSld>
+  <p:clrMapOvr>
+    <a:masterClrMapping/>
+  </p:clrMapOvr>
+</p:sld>
+</file>
+
+<file path=ppt/slides/slide16.xml><?xml version="1.0" encoding="utf-8"?>
 <p:sld xmlns:a="http://schemas.openxmlformats.org/drawingml/2006/main" xmlns:r="http://schemas.openxmlformats.org/officeDocument/2006/relationships" xmlns:p="http://schemas.openxmlformats.org/presentationml/2006/main">
   <p:cSld>
     <p:spTree>
@@ -8686,7 +11404,7 @@
 </p:sld>
 </file>
 
-<file path=ppt/slides/slide14.xml><?xml version="1.0" encoding="utf-8"?>
+<file path=ppt/slides/slide17.xml><?xml version="1.0" encoding="utf-8"?>
 <p:sld xmlns:a="http://schemas.openxmlformats.org/drawingml/2006/main" xmlns:r="http://schemas.openxmlformats.org/officeDocument/2006/relationships" xmlns:p="http://schemas.openxmlformats.org/presentationml/2006/main">
   <p:cSld>
     <p:spTree>
@@ -9232,7 +11950,7 @@
 </p:sld>
 </file>
 
-<file path=ppt/slides/slide15.xml><?xml version="1.0" encoding="utf-8"?>
+<file path=ppt/slides/slide18.xml><?xml version="1.0" encoding="utf-8"?>
 <p:sld xmlns:a="http://schemas.openxmlformats.org/drawingml/2006/main" xmlns:r="http://schemas.openxmlformats.org/officeDocument/2006/relationships" xmlns:p="http://schemas.openxmlformats.org/presentationml/2006/main">
   <p:cSld>
     <p:spTree>
@@ -9998,7 +12716,7 @@
 </p:sld>
 </file>
 
-<file path=ppt/slides/slide16.xml><?xml version="1.0" encoding="utf-8"?>
+<file path=ppt/slides/slide19.xml><?xml version="1.0" encoding="utf-8"?>
 <p:sld xmlns:a="http://schemas.openxmlformats.org/drawingml/2006/main" xmlns:r="http://schemas.openxmlformats.org/officeDocument/2006/relationships" xmlns:p="http://schemas.openxmlformats.org/presentationml/2006/main">
   <p:cSld>
     <p:spTree>
@@ -10229,7 +12947,157 @@
 </p:sld>
 </file>
 
-<file path=ppt/slides/slide17.xml><?xml version="1.0" encoding="utf-8"?>
+<file path=ppt/slides/slide2.xml><?xml version="1.0" encoding="utf-8"?>
+<p:sld xmlns:a="http://schemas.openxmlformats.org/drawingml/2006/main" xmlns:r="http://schemas.openxmlformats.org/officeDocument/2006/relationships" xmlns:p="http://schemas.openxmlformats.org/presentationml/2006/main">
+  <p:cSld>
+    <p:spTree>
+      <p:nvGrpSpPr>
+        <p:cNvPr id="1" name=""/>
+        <p:cNvGrpSpPr/>
+        <p:nvPr/>
+      </p:nvGrpSpPr>
+      <p:grpSpPr>
+        <a:xfrm>
+          <a:off x="0" y="0"/>
+          <a:ext cx="0" cy="0"/>
+          <a:chOff x="0" y="0"/>
+          <a:chExt cx="0" cy="0"/>
+        </a:xfrm>
+      </p:grpSpPr>
+      <p:sp>
+        <p:nvSpPr>
+          <p:cNvPr id="4" name="文本框 3"/>
+          <p:cNvSpPr txBox="1"/>
+          <p:nvPr/>
+        </p:nvSpPr>
+        <p:spPr>
+          <a:xfrm>
+            <a:off x="1151466" y="1989667"/>
+            <a:ext cx="2226734" cy="830997"/>
+          </a:xfrm>
+          <a:prstGeom prst="rect">
+            <a:avLst/>
+          </a:prstGeom>
+          <a:noFill/>
+        </p:spPr>
+        <p:txBody>
+          <a:bodyPr wrap="square" rtlCol="0">
+            <a:spAutoFit/>
+          </a:bodyPr>
+          <a:lstStyle/>
+          <a:p>
+            <a:r>
+              <a:rPr lang="en-US" altLang="zh-CN" sz="4800" b="1" dirty="0">
+                <a:solidFill>
+                  <a:schemeClr val="bg1"/>
+                </a:solidFill>
+                <a:latin typeface="Raleway" pitchFamily="2" charset="0"/>
+                <a:ea typeface="Raleway" pitchFamily="2" charset="0"/>
+              </a:rPr>
+              <a:t>Project</a:t>
+            </a:r>
+            <a:endParaRPr lang="zh-CN" altLang="en-US" sz="4800" b="1" dirty="0">
+              <a:solidFill>
+                <a:schemeClr val="bg1"/>
+              </a:solidFill>
+              <a:latin typeface="Raleway" pitchFamily="2" charset="0"/>
+              <a:ea typeface="Raleway" pitchFamily="2" charset="0"/>
+            </a:endParaRPr>
+          </a:p>
+        </p:txBody>
+      </p:sp>
+      <p:sp>
+        <p:nvSpPr>
+          <p:cNvPr id="7" name="文本框 6"/>
+          <p:cNvSpPr txBox="1"/>
+          <p:nvPr/>
+        </p:nvSpPr>
+        <p:spPr>
+          <a:xfrm>
+            <a:off x="5858932" y="1989667"/>
+            <a:ext cx="2728177" cy="830997"/>
+          </a:xfrm>
+          <a:prstGeom prst="rect">
+            <a:avLst/>
+          </a:prstGeom>
+          <a:noFill/>
+        </p:spPr>
+        <p:txBody>
+          <a:bodyPr wrap="square" rtlCol="0">
+            <a:spAutoFit/>
+          </a:bodyPr>
+          <a:lstStyle/>
+          <a:p>
+            <a:r>
+              <a:rPr lang="en-US" altLang="zh-CN" sz="4800" b="1" dirty="0">
+                <a:solidFill>
+                  <a:schemeClr val="bg1"/>
+                </a:solidFill>
+                <a:latin typeface="Raleway" pitchFamily="2" charset="0"/>
+                <a:ea typeface="Raleway" pitchFamily="2" charset="0"/>
+              </a:rPr>
+              <a:t>Solution</a:t>
+            </a:r>
+            <a:endParaRPr lang="zh-CN" altLang="en-US" sz="4800" b="1" dirty="0">
+              <a:solidFill>
+                <a:schemeClr val="bg1"/>
+              </a:solidFill>
+              <a:latin typeface="Raleway" pitchFamily="2" charset="0"/>
+              <a:ea typeface="Raleway" pitchFamily="2" charset="0"/>
+            </a:endParaRPr>
+          </a:p>
+        </p:txBody>
+      </p:sp>
+      <p:pic>
+        <p:nvPicPr>
+          <p:cNvPr id="5" name="Content Placeholder 3">
+            <a:extLst>
+              <a:ext uri="{FF2B5EF4-FFF2-40B4-BE49-F238E27FC236}">
+                <a16:creationId xmlns:a16="http://schemas.microsoft.com/office/drawing/2014/main" id="{1ACDCB5A-938F-4F15-AD40-6E029B2808FB}"/>
+              </a:ext>
+            </a:extLst>
+          </p:cNvPr>
+          <p:cNvPicPr>
+            <a:picLocks noChangeAspect="1"/>
+          </p:cNvPicPr>
+          <p:nvPr/>
+        </p:nvPicPr>
+        <p:blipFill>
+          <a:blip r:embed="rId2" cstate="print">
+            <a:extLst>
+              <a:ext uri="{28A0092B-C50C-407E-A947-70E740481C1C}">
+                <a14:useLocalDpi xmlns:a14="http://schemas.microsoft.com/office/drawing/2010/main" val="0"/>
+              </a:ext>
+            </a:extLst>
+          </a:blip>
+          <a:stretch>
+            <a:fillRect/>
+          </a:stretch>
+        </p:blipFill>
+        <p:spPr>
+          <a:xfrm>
+            <a:off x="-27502" y="-30862"/>
+            <a:ext cx="9171501" cy="5189924"/>
+          </a:xfrm>
+          <a:prstGeom prst="rect">
+            <a:avLst/>
+          </a:prstGeom>
+        </p:spPr>
+      </p:pic>
+    </p:spTree>
+    <p:extLst>
+      <p:ext uri="{BB962C8B-B14F-4D97-AF65-F5344CB8AC3E}">
+        <p14:creationId xmlns:p14="http://schemas.microsoft.com/office/powerpoint/2010/main" val="813967327"/>
+      </p:ext>
+    </p:extLst>
+  </p:cSld>
+  <p:clrMapOvr>
+    <a:masterClrMapping/>
+  </p:clrMapOvr>
+</p:sld>
+</file>
+
+<file path=ppt/slides/slide20.xml><?xml version="1.0" encoding="utf-8"?>
 <p:sld xmlns:a="http://schemas.openxmlformats.org/drawingml/2006/main" xmlns:r="http://schemas.openxmlformats.org/officeDocument/2006/relationships" xmlns:p="http://schemas.openxmlformats.org/presentationml/2006/main">
   <p:cSld>
     <p:spTree>
@@ -11513,7 +14381,7 @@
 </p:sld>
 </file>
 
-<file path=ppt/slides/slide18.xml><?xml version="1.0" encoding="utf-8"?>
+<file path=ppt/slides/slide21.xml><?xml version="1.0" encoding="utf-8"?>
 <p:sld xmlns:a="http://schemas.openxmlformats.org/drawingml/2006/main" xmlns:r="http://schemas.openxmlformats.org/officeDocument/2006/relationships" xmlns:p="http://schemas.openxmlformats.org/presentationml/2006/main">
   <p:cSld>
     <p:spTree>
@@ -11849,7 +14717,7 @@
 </p:sld>
 </file>
 
-<file path=ppt/slides/slide19.xml><?xml version="1.0" encoding="utf-8"?>
+<file path=ppt/slides/slide22.xml><?xml version="1.0" encoding="utf-8"?>
 <p:sld xmlns:a="http://schemas.openxmlformats.org/drawingml/2006/main" xmlns:r="http://schemas.openxmlformats.org/officeDocument/2006/relationships" xmlns:p="http://schemas.openxmlformats.org/presentationml/2006/main">
   <p:cSld>
     <p:bg>
@@ -12645,157 +15513,7 @@
 </p:sld>
 </file>
 
-<file path=ppt/slides/slide2.xml><?xml version="1.0" encoding="utf-8"?>
-<p:sld xmlns:a="http://schemas.openxmlformats.org/drawingml/2006/main" xmlns:r="http://schemas.openxmlformats.org/officeDocument/2006/relationships" xmlns:p="http://schemas.openxmlformats.org/presentationml/2006/main">
-  <p:cSld>
-    <p:spTree>
-      <p:nvGrpSpPr>
-        <p:cNvPr id="1" name=""/>
-        <p:cNvGrpSpPr/>
-        <p:nvPr/>
-      </p:nvGrpSpPr>
-      <p:grpSpPr>
-        <a:xfrm>
-          <a:off x="0" y="0"/>
-          <a:ext cx="0" cy="0"/>
-          <a:chOff x="0" y="0"/>
-          <a:chExt cx="0" cy="0"/>
-        </a:xfrm>
-      </p:grpSpPr>
-      <p:sp>
-        <p:nvSpPr>
-          <p:cNvPr id="4" name="文本框 3"/>
-          <p:cNvSpPr txBox="1"/>
-          <p:nvPr/>
-        </p:nvSpPr>
-        <p:spPr>
-          <a:xfrm>
-            <a:off x="1151466" y="1989667"/>
-            <a:ext cx="2226734" cy="830997"/>
-          </a:xfrm>
-          <a:prstGeom prst="rect">
-            <a:avLst/>
-          </a:prstGeom>
-          <a:noFill/>
-        </p:spPr>
-        <p:txBody>
-          <a:bodyPr wrap="square" rtlCol="0">
-            <a:spAutoFit/>
-          </a:bodyPr>
-          <a:lstStyle/>
-          <a:p>
-            <a:r>
-              <a:rPr lang="en-US" altLang="zh-CN" sz="4800" b="1" dirty="0">
-                <a:solidFill>
-                  <a:schemeClr val="bg1"/>
-                </a:solidFill>
-                <a:latin typeface="Raleway" pitchFamily="2" charset="0"/>
-                <a:ea typeface="Raleway" pitchFamily="2" charset="0"/>
-              </a:rPr>
-              <a:t>Project</a:t>
-            </a:r>
-            <a:endParaRPr lang="zh-CN" altLang="en-US" sz="4800" b="1" dirty="0">
-              <a:solidFill>
-                <a:schemeClr val="bg1"/>
-              </a:solidFill>
-              <a:latin typeface="Raleway" pitchFamily="2" charset="0"/>
-              <a:ea typeface="Raleway" pitchFamily="2" charset="0"/>
-            </a:endParaRPr>
-          </a:p>
-        </p:txBody>
-      </p:sp>
-      <p:sp>
-        <p:nvSpPr>
-          <p:cNvPr id="7" name="文本框 6"/>
-          <p:cNvSpPr txBox="1"/>
-          <p:nvPr/>
-        </p:nvSpPr>
-        <p:spPr>
-          <a:xfrm>
-            <a:off x="5858932" y="1989667"/>
-            <a:ext cx="2728177" cy="830997"/>
-          </a:xfrm>
-          <a:prstGeom prst="rect">
-            <a:avLst/>
-          </a:prstGeom>
-          <a:noFill/>
-        </p:spPr>
-        <p:txBody>
-          <a:bodyPr wrap="square" rtlCol="0">
-            <a:spAutoFit/>
-          </a:bodyPr>
-          <a:lstStyle/>
-          <a:p>
-            <a:r>
-              <a:rPr lang="en-US" altLang="zh-CN" sz="4800" b="1" dirty="0">
-                <a:solidFill>
-                  <a:schemeClr val="bg1"/>
-                </a:solidFill>
-                <a:latin typeface="Raleway" pitchFamily="2" charset="0"/>
-                <a:ea typeface="Raleway" pitchFamily="2" charset="0"/>
-              </a:rPr>
-              <a:t>Solution</a:t>
-            </a:r>
-            <a:endParaRPr lang="zh-CN" altLang="en-US" sz="4800" b="1" dirty="0">
-              <a:solidFill>
-                <a:schemeClr val="bg1"/>
-              </a:solidFill>
-              <a:latin typeface="Raleway" pitchFamily="2" charset="0"/>
-              <a:ea typeface="Raleway" pitchFamily="2" charset="0"/>
-            </a:endParaRPr>
-          </a:p>
-        </p:txBody>
-      </p:sp>
-      <p:pic>
-        <p:nvPicPr>
-          <p:cNvPr id="5" name="Content Placeholder 3">
-            <a:extLst>
-              <a:ext uri="{FF2B5EF4-FFF2-40B4-BE49-F238E27FC236}">
-                <a16:creationId xmlns:a16="http://schemas.microsoft.com/office/drawing/2014/main" id="{1ACDCB5A-938F-4F15-AD40-6E029B2808FB}"/>
-              </a:ext>
-            </a:extLst>
-          </p:cNvPr>
-          <p:cNvPicPr>
-            <a:picLocks noChangeAspect="1"/>
-          </p:cNvPicPr>
-          <p:nvPr/>
-        </p:nvPicPr>
-        <p:blipFill>
-          <a:blip r:embed="rId2" cstate="print">
-            <a:extLst>
-              <a:ext uri="{28A0092B-C50C-407E-A947-70E740481C1C}">
-                <a14:useLocalDpi xmlns:a14="http://schemas.microsoft.com/office/drawing/2010/main" val="0"/>
-              </a:ext>
-            </a:extLst>
-          </a:blip>
-          <a:stretch>
-            <a:fillRect/>
-          </a:stretch>
-        </p:blipFill>
-        <p:spPr>
-          <a:xfrm>
-            <a:off x="-27502" y="-30862"/>
-            <a:ext cx="9171501" cy="5189924"/>
-          </a:xfrm>
-          <a:prstGeom prst="rect">
-            <a:avLst/>
-          </a:prstGeom>
-        </p:spPr>
-      </p:pic>
-    </p:spTree>
-    <p:extLst>
-      <p:ext uri="{BB962C8B-B14F-4D97-AF65-F5344CB8AC3E}">
-        <p14:creationId xmlns:p14="http://schemas.microsoft.com/office/powerpoint/2010/main" val="813967327"/>
-      </p:ext>
-    </p:extLst>
-  </p:cSld>
-  <p:clrMapOvr>
-    <a:masterClrMapping/>
-  </p:clrMapOvr>
-</p:sld>
-</file>
-
-<file path=ppt/slides/slide20.xml><?xml version="1.0" encoding="utf-8"?>
+<file path=ppt/slides/slide23.xml><?xml version="1.0" encoding="utf-8"?>
 <p:sld xmlns:a="http://schemas.openxmlformats.org/drawingml/2006/main" xmlns:r="http://schemas.openxmlformats.org/officeDocument/2006/relationships" xmlns:p="http://schemas.openxmlformats.org/presentationml/2006/main">
   <p:cSld>
     <p:spTree>
@@ -14353,7 +17071,7 @@
 </p:sld>
 </file>
 
-<file path=ppt/slides/slide21.xml><?xml version="1.0" encoding="utf-8"?>
+<file path=ppt/slides/slide24.xml><?xml version="1.0" encoding="utf-8"?>
 <p:sld xmlns:a="http://schemas.openxmlformats.org/drawingml/2006/main" xmlns:r="http://schemas.openxmlformats.org/officeDocument/2006/relationships" xmlns:p="http://schemas.openxmlformats.org/presentationml/2006/main">
   <p:cSld>
     <p:spTree>
@@ -14445,7 +17163,7 @@
 </p:sld>
 </file>
 
-<file path=ppt/slides/slide22.xml><?xml version="1.0" encoding="utf-8"?>
+<file path=ppt/slides/slide25.xml><?xml version="1.0" encoding="utf-8"?>
 <p:sld xmlns:a="http://schemas.openxmlformats.org/drawingml/2006/main" xmlns:r="http://schemas.openxmlformats.org/officeDocument/2006/relationships" xmlns:p="http://schemas.openxmlformats.org/presentationml/2006/main">
   <p:cSld>
     <p:spTree>
@@ -14532,7 +17250,7 @@
 </p:sld>
 </file>
 
-<file path=ppt/slides/slide23.xml><?xml version="1.0" encoding="utf-8"?>
+<file path=ppt/slides/slide26.xml><?xml version="1.0" encoding="utf-8"?>
 <p:sld xmlns:a="http://schemas.openxmlformats.org/drawingml/2006/main" xmlns:r="http://schemas.openxmlformats.org/officeDocument/2006/relationships" xmlns:p="http://schemas.openxmlformats.org/presentationml/2006/main">
   <p:cSld>
     <p:spTree>
@@ -14951,7 +17669,7 @@
 </p:sld>
 </file>
 
-<file path=ppt/slides/slide24.xml><?xml version="1.0" encoding="utf-8"?>
+<file path=ppt/slides/slide27.xml><?xml version="1.0" encoding="utf-8"?>
 <p:sld xmlns:a="http://schemas.openxmlformats.org/drawingml/2006/main" xmlns:r="http://schemas.openxmlformats.org/officeDocument/2006/relationships" xmlns:p="http://schemas.openxmlformats.org/presentationml/2006/main">
   <p:cSld>
     <p:spTree>
@@ -15374,7 +18092,7 @@
 </p:sld>
 </file>
 
-<file path=ppt/slides/slide25.xml><?xml version="1.0" encoding="utf-8"?>
+<file path=ppt/slides/slide28.xml><?xml version="1.0" encoding="utf-8"?>
 <p:sld xmlns:a="http://schemas.openxmlformats.org/drawingml/2006/main" xmlns:r="http://schemas.openxmlformats.org/officeDocument/2006/relationships" xmlns:p="http://schemas.openxmlformats.org/presentationml/2006/main">
   <p:cSld>
     <p:spTree>
@@ -15797,7 +18515,7 @@
 </p:sld>
 </file>
 
-<file path=ppt/slides/slide26.xml><?xml version="1.0" encoding="utf-8"?>
+<file path=ppt/slides/slide29.xml><?xml version="1.0" encoding="utf-8"?>
 <p:sld xmlns:a="http://schemas.openxmlformats.org/drawingml/2006/main" xmlns:r="http://schemas.openxmlformats.org/officeDocument/2006/relationships" xmlns:p="http://schemas.openxmlformats.org/presentationml/2006/main">
   <p:cSld>
     <p:spTree>
@@ -16118,91 +18836,6 @@
     <p:extLst>
       <p:ext uri="{BB962C8B-B14F-4D97-AF65-F5344CB8AC3E}">
         <p14:creationId xmlns:p14="http://schemas.microsoft.com/office/powerpoint/2010/main" val="4123508738"/>
-      </p:ext>
-    </p:extLst>
-  </p:cSld>
-  <p:clrMapOvr>
-    <a:masterClrMapping/>
-  </p:clrMapOvr>
-</p:sld>
-</file>
-
-<file path=ppt/slides/slide27.xml><?xml version="1.0" encoding="utf-8"?>
-<p:sld xmlns:a="http://schemas.openxmlformats.org/drawingml/2006/main" xmlns:r="http://schemas.openxmlformats.org/officeDocument/2006/relationships" xmlns:p="http://schemas.openxmlformats.org/presentationml/2006/main">
-  <p:cSld>
-    <p:spTree>
-      <p:nvGrpSpPr>
-        <p:cNvPr id="1" name=""/>
-        <p:cNvGrpSpPr/>
-        <p:nvPr/>
-      </p:nvGrpSpPr>
-      <p:grpSpPr>
-        <a:xfrm>
-          <a:off x="0" y="0"/>
-          <a:ext cx="0" cy="0"/>
-          <a:chOff x="0" y="0"/>
-          <a:chExt cx="0" cy="0"/>
-        </a:xfrm>
-      </p:grpSpPr>
-      <p:sp>
-        <p:nvSpPr>
-          <p:cNvPr id="2" name="Text Placeholder 1"/>
-          <p:cNvSpPr>
-            <a:spLocks noGrp="1"/>
-          </p:cNvSpPr>
-          <p:nvPr>
-            <p:ph type="body" sz="quarter" idx="12"/>
-          </p:nvPr>
-        </p:nvSpPr>
-        <p:spPr/>
-        <p:txBody>
-          <a:bodyPr/>
-          <a:lstStyle/>
-          <a:p>
-            <a:r>
-              <a:rPr lang="en-US" altLang="zh-CN" dirty="0"/>
-              <a:t>Kevin Jiang</a:t>
-            </a:r>
-            <a:br>
-              <a:rPr lang="en-US" dirty="0"/>
-            </a:br>
-            <a:r>
-              <a:rPr lang="en-US" dirty="0"/>
-              <a:t>jiangkevin@huaxiadnb.com</a:t>
-            </a:r>
-            <a:br>
-              <a:rPr lang="en-US" dirty="0"/>
-            </a:br>
-            <a:endParaRPr lang="en-US" dirty="0"/>
-          </a:p>
-        </p:txBody>
-      </p:sp>
-      <p:sp>
-        <p:nvSpPr>
-          <p:cNvPr id="3" name="Text Placeholder 2"/>
-          <p:cNvSpPr>
-            <a:spLocks noGrp="1"/>
-          </p:cNvSpPr>
-          <p:nvPr>
-            <p:ph type="body" sz="quarter" idx="14"/>
-          </p:nvPr>
-        </p:nvSpPr>
-        <p:spPr/>
-        <p:txBody>
-          <a:bodyPr/>
-          <a:lstStyle/>
-          <a:p>
-            <a:r>
-              <a:rPr lang="en-US" dirty="0"/>
-              <a:t>Thank You</a:t>
-            </a:r>
-          </a:p>
-        </p:txBody>
-      </p:sp>
-    </p:spTree>
-    <p:extLst>
-      <p:ext uri="{BB962C8B-B14F-4D97-AF65-F5344CB8AC3E}">
-        <p14:creationId xmlns:p14="http://schemas.microsoft.com/office/powerpoint/2010/main" val="3215746976"/>
       </p:ext>
     </p:extLst>
   </p:cSld>
@@ -17203,6 +19836,91 @@
     <p:extLst>
       <p:ext uri="{BB962C8B-B14F-4D97-AF65-F5344CB8AC3E}">
         <p14:creationId xmlns:p14="http://schemas.microsoft.com/office/powerpoint/2010/main" val="1470611364"/>
+      </p:ext>
+    </p:extLst>
+  </p:cSld>
+  <p:clrMapOvr>
+    <a:masterClrMapping/>
+  </p:clrMapOvr>
+</p:sld>
+</file>
+
+<file path=ppt/slides/slide30.xml><?xml version="1.0" encoding="utf-8"?>
+<p:sld xmlns:a="http://schemas.openxmlformats.org/drawingml/2006/main" xmlns:r="http://schemas.openxmlformats.org/officeDocument/2006/relationships" xmlns:p="http://schemas.openxmlformats.org/presentationml/2006/main">
+  <p:cSld>
+    <p:spTree>
+      <p:nvGrpSpPr>
+        <p:cNvPr id="1" name=""/>
+        <p:cNvGrpSpPr/>
+        <p:nvPr/>
+      </p:nvGrpSpPr>
+      <p:grpSpPr>
+        <a:xfrm>
+          <a:off x="0" y="0"/>
+          <a:ext cx="0" cy="0"/>
+          <a:chOff x="0" y="0"/>
+          <a:chExt cx="0" cy="0"/>
+        </a:xfrm>
+      </p:grpSpPr>
+      <p:sp>
+        <p:nvSpPr>
+          <p:cNvPr id="2" name="Text Placeholder 1"/>
+          <p:cNvSpPr>
+            <a:spLocks noGrp="1"/>
+          </p:cNvSpPr>
+          <p:nvPr>
+            <p:ph type="body" sz="quarter" idx="12"/>
+          </p:nvPr>
+        </p:nvSpPr>
+        <p:spPr/>
+        <p:txBody>
+          <a:bodyPr/>
+          <a:lstStyle/>
+          <a:p>
+            <a:r>
+              <a:rPr lang="en-US" altLang="zh-CN" dirty="0"/>
+              <a:t>Kevin Jiang</a:t>
+            </a:r>
+            <a:br>
+              <a:rPr lang="en-US" dirty="0"/>
+            </a:br>
+            <a:r>
+              <a:rPr lang="en-US" dirty="0"/>
+              <a:t>jiangkevin@huaxiadnb.com</a:t>
+            </a:r>
+            <a:br>
+              <a:rPr lang="en-US" dirty="0"/>
+            </a:br>
+            <a:endParaRPr lang="en-US" dirty="0"/>
+          </a:p>
+        </p:txBody>
+      </p:sp>
+      <p:sp>
+        <p:nvSpPr>
+          <p:cNvPr id="3" name="Text Placeholder 2"/>
+          <p:cNvSpPr>
+            <a:spLocks noGrp="1"/>
+          </p:cNvSpPr>
+          <p:nvPr>
+            <p:ph type="body" sz="quarter" idx="14"/>
+          </p:nvPr>
+        </p:nvSpPr>
+        <p:spPr/>
+        <p:txBody>
+          <a:bodyPr/>
+          <a:lstStyle/>
+          <a:p>
+            <a:r>
+              <a:rPr lang="en-US" dirty="0"/>
+              <a:t>Thank You</a:t>
+            </a:r>
+          </a:p>
+        </p:txBody>
+      </p:sp>
+    </p:spTree>
+    <p:extLst>
+      <p:ext uri="{BB962C8B-B14F-4D97-AF65-F5344CB8AC3E}">
+        <p14:creationId xmlns:p14="http://schemas.microsoft.com/office/powerpoint/2010/main" val="3215746976"/>
       </p:ext>
     </p:extLst>
   </p:cSld>
@@ -22029,12 +24747,6 @@
 </file>
 
 <file path=customXml/item1.xml><?xml version="1.0" encoding="utf-8"?>
-<p:properties xmlns:p="http://schemas.microsoft.com/office/2006/metadata/properties" xmlns:xsi="http://www.w3.org/2001/XMLSchema-instance">
-  <documentManagement/>
-</p:properties>
-</file>
-
-<file path=customXml/item2.xml><?xml version="1.0" encoding="utf-8"?>
 <ct:contentTypeSchema xmlns:ct="http://schemas.microsoft.com/office/2006/metadata/contentType" xmlns:ma="http://schemas.microsoft.com/office/2006/metadata/properties/metaAttributes" ct:_="" ma:_="" ma:contentTypeName="文档" ma:contentTypeID="0x010100E944799CFF54CF43BC538D64147D8716" ma:contentTypeVersion="0" ma:contentTypeDescription="新建文档。" ma:contentTypeScope="" ma:versionID="cdc6d5c56338078a4dfa9178bfad286b">
   <xsd:schema xmlns:xsd="http://www.w3.org/2001/XMLSchema" xmlns:p="http://schemas.microsoft.com/office/2006/metadata/properties" targetNamespace="http://schemas.microsoft.com/office/2006/metadata/properties" ma:root="true" ma:fieldsID="b51e50da1bca0add1c6bbfbefcbaaafa">
     <xsd:element name="properties">
@@ -22083,6 +24795,12 @@
 </ct:contentTypeSchema>
 </file>
 
+<file path=customXml/item2.xml><?xml version="1.0" encoding="utf-8"?>
+<p:properties xmlns:p="http://schemas.microsoft.com/office/2006/metadata/properties" xmlns:xsi="http://www.w3.org/2001/XMLSchema-instance">
+  <documentManagement/>
+</p:properties>
+</file>
+
 <file path=customXml/item3.xml><?xml version="1.0" encoding="utf-8"?>
 <?mso-contentType ?>
 <FormTemplates xmlns="http://schemas.microsoft.com/sharepoint/v3/contenttype/forms">
@@ -22093,20 +24811,6 @@
 </file>
 
 <file path=customXml/itemProps1.xml><?xml version="1.0" encoding="utf-8"?>
-<ds:datastoreItem xmlns:ds="http://schemas.openxmlformats.org/officeDocument/2006/customXml" ds:itemID="{5E52B2CA-D7DC-482A-9EE8-79F0288F289D}">
-  <ds:schemaRefs>
-    <ds:schemaRef ds:uri="http://purl.org/dc/terms/"/>
-    <ds:schemaRef ds:uri="http://schemas.openxmlformats.org/package/2006/metadata/core-properties"/>
-    <ds:schemaRef ds:uri="http://purl.org/dc/dcmitype/"/>
-    <ds:schemaRef ds:uri="http://schemas.microsoft.com/office/2006/documentManagement/types"/>
-    <ds:schemaRef ds:uri="http://purl.org/dc/elements/1.1/"/>
-    <ds:schemaRef ds:uri="http://schemas.microsoft.com/office/2006/metadata/properties"/>
-    <ds:schemaRef ds:uri="http://www.w3.org/XML/1998/namespace"/>
-  </ds:schemaRefs>
-</ds:datastoreItem>
-</file>
-
-<file path=customXml/itemProps2.xml><?xml version="1.0" encoding="utf-8"?>
 <ds:datastoreItem xmlns:ds="http://schemas.openxmlformats.org/officeDocument/2006/customXml" ds:itemID="{CF7AE9EB-7AE5-4D7A-9FF5-0E96BA127783}">
   <ds:schemaRefs>
     <ds:schemaRef ds:uri="http://schemas.microsoft.com/office/2006/metadata/contentType"/>
@@ -22121,6 +24825,20 @@
 </ds:datastoreItem>
 </file>
 
+<file path=customXml/itemProps2.xml><?xml version="1.0" encoding="utf-8"?>
+<ds:datastoreItem xmlns:ds="http://schemas.openxmlformats.org/officeDocument/2006/customXml" ds:itemID="{5E52B2CA-D7DC-482A-9EE8-79F0288F289D}">
+  <ds:schemaRefs>
+    <ds:schemaRef ds:uri="http://purl.org/dc/terms/"/>
+    <ds:schemaRef ds:uri="http://schemas.openxmlformats.org/package/2006/metadata/core-properties"/>
+    <ds:schemaRef ds:uri="http://purl.org/dc/dcmitype/"/>
+    <ds:schemaRef ds:uri="http://schemas.microsoft.com/office/2006/documentManagement/types"/>
+    <ds:schemaRef ds:uri="http://purl.org/dc/elements/1.1/"/>
+    <ds:schemaRef ds:uri="http://schemas.microsoft.com/office/2006/metadata/properties"/>
+    <ds:schemaRef ds:uri="http://www.w3.org/XML/1998/namespace"/>
+  </ds:schemaRefs>
+</ds:datastoreItem>
+</file>
+
 <file path=customXml/itemProps3.xml><?xml version="1.0" encoding="utf-8"?>
 <ds:datastoreItem xmlns:ds="http://schemas.openxmlformats.org/officeDocument/2006/customXml" ds:itemID="{BD1959AD-EA31-459B-B4CD-633A4703E712}">
   <ds:schemaRefs>
